--- a/Meeting Materials/draft-ietf-ccamp-yang-otn-slicing-02.pptx
+++ b/Meeting Materials/draft-ietf-ccamp-yang-otn-slicing-02.pptx
@@ -216,7 +216,7 @@
           <a:p>
             <a:fld id="{59711742-25F0-43F6-882D-B8403339F2D1}" type="datetimeFigureOut">
               <a:rPr lang="en-US" smtClean="0"/>
-              <a:t>7/18/2022</a:t>
+              <a:t>7/20/2022</a:t>
             </a:fld>
             <a:endParaRPr lang="en-US"/>
           </a:p>
@@ -1218,7 +1218,7 @@
           <a:p>
             <a:fld id="{11EADF87-7BA1-4934-894F-828C76552A18}" type="datetime1">
               <a:rPr lang="en-US" smtClean="0"/>
-              <a:t>7/18/2022</a:t>
+              <a:t>7/20/2022</a:t>
             </a:fld>
             <a:endParaRPr lang="en-US"/>
           </a:p>
@@ -1419,7 +1419,7 @@
           <a:p>
             <a:fld id="{85D92055-2432-4DF3-97D9-9AAC5D502BA1}" type="datetime1">
               <a:rPr lang="en-US" smtClean="0"/>
-              <a:t>7/18/2022</a:t>
+              <a:t>7/20/2022</a:t>
             </a:fld>
             <a:endParaRPr lang="en-US"/>
           </a:p>
@@ -1630,7 +1630,7 @@
           <a:p>
             <a:fld id="{9982AC4B-3F7F-442E-97CB-3FE75166B923}" type="datetime1">
               <a:rPr lang="en-US" smtClean="0"/>
-              <a:t>7/18/2022</a:t>
+              <a:t>7/20/2022</a:t>
             </a:fld>
             <a:endParaRPr lang="en-US"/>
           </a:p>
@@ -1831,7 +1831,7 @@
           <a:p>
             <a:fld id="{86764C34-DC39-41C4-8B6A-5EA7B47F74F1}" type="datetime1">
               <a:rPr lang="en-US" smtClean="0"/>
-              <a:t>7/18/2022</a:t>
+              <a:t>7/20/2022</a:t>
             </a:fld>
             <a:endParaRPr lang="en-US"/>
           </a:p>
@@ -2109,7 +2109,7 @@
           <a:p>
             <a:fld id="{9AD06E72-0C8D-44B3-AA53-2FB152485C62}" type="datetime1">
               <a:rPr lang="en-US" smtClean="0"/>
-              <a:t>7/18/2022</a:t>
+              <a:t>7/20/2022</a:t>
             </a:fld>
             <a:endParaRPr lang="en-US"/>
           </a:p>
@@ -2377,7 +2377,7 @@
           <a:p>
             <a:fld id="{66188E82-78A8-432F-A905-64D37DCF7108}" type="datetime1">
               <a:rPr lang="en-US" smtClean="0"/>
-              <a:t>7/18/2022</a:t>
+              <a:t>7/20/2022</a:t>
             </a:fld>
             <a:endParaRPr lang="en-US"/>
           </a:p>
@@ -2792,7 +2792,7 @@
           <a:p>
             <a:fld id="{4F6C27C5-5812-4AB4-AA99-BFA1A6532403}" type="datetime1">
               <a:rPr lang="en-US" smtClean="0"/>
-              <a:t>7/18/2022</a:t>
+              <a:t>7/20/2022</a:t>
             </a:fld>
             <a:endParaRPr lang="en-US"/>
           </a:p>
@@ -2936,7 +2936,7 @@
           <a:p>
             <a:fld id="{01E17CC1-43C0-45B8-AB30-B4F1979189AC}" type="datetime1">
               <a:rPr lang="en-US" smtClean="0"/>
-              <a:t>7/18/2022</a:t>
+              <a:t>7/20/2022</a:t>
             </a:fld>
             <a:endParaRPr lang="en-US"/>
           </a:p>
@@ -3052,7 +3052,7 @@
           <a:p>
             <a:fld id="{86720E5C-818F-46A2-A674-ACF0EF433E2C}" type="datetime1">
               <a:rPr lang="en-US" smtClean="0"/>
-              <a:t>7/18/2022</a:t>
+              <a:t>7/20/2022</a:t>
             </a:fld>
             <a:endParaRPr lang="en-US"/>
           </a:p>
@@ -3366,7 +3366,7 @@
           <a:p>
             <a:fld id="{3BF26B5B-FDE8-4DDB-82A7-BEF41002D93B}" type="datetime1">
               <a:rPr lang="en-US" smtClean="0"/>
-              <a:t>7/18/2022</a:t>
+              <a:t>7/20/2022</a:t>
             </a:fld>
             <a:endParaRPr lang="en-US"/>
           </a:p>
@@ -3657,7 +3657,7 @@
           <a:p>
             <a:fld id="{5CC07EE6-18E8-48EE-9715-5838292A3776}" type="datetime1">
               <a:rPr lang="en-US" smtClean="0"/>
-              <a:t>7/18/2022</a:t>
+              <a:t>7/20/2022</a:t>
             </a:fld>
             <a:endParaRPr lang="en-US"/>
           </a:p>
@@ -3901,7 +3901,7 @@
           <a:p>
             <a:fld id="{9025BCED-13F6-41CB-8B3C-875C16F6C384}" type="datetime1">
               <a:rPr lang="en-US" smtClean="0"/>
-              <a:t>7/18/2022</a:t>
+              <a:t>7/20/2022</a:t>
             </a:fld>
             <a:endParaRPr lang="en-US"/>
           </a:p>
@@ -4994,8 +4994,8 @@
         </p:nvSpPr>
         <p:spPr>
           <a:xfrm>
-            <a:off x="838200" y="1825625"/>
-            <a:ext cx="10515600" cy="4667250"/>
+            <a:off x="838201" y="3054095"/>
+            <a:ext cx="7363968" cy="3438779"/>
           </a:xfrm>
         </p:spPr>
         <p:txBody>
@@ -5004,118 +5004,688 @@
           </a:bodyPr>
           <a:lstStyle/>
           <a:p>
-            <a:r>
-              <a:rPr lang="en-US" dirty="0"/>
+            <a:endParaRPr lang="en-US" sz="2400" dirty="0"/>
+          </a:p>
+          <a:p>
+            <a:r>
+              <a:rPr lang="en-US" sz="2400" dirty="0"/>
+              <a:t>YANG Model Updates</a:t>
+            </a:r>
+          </a:p>
+          <a:p>
+            <a:pPr lvl="1"/>
+            <a:r>
+              <a:rPr lang="en-US" sz="2000" dirty="0"/>
+              <a:t>Rebased </a:t>
+            </a:r>
+            <a:r>
+              <a:rPr lang="en-US" sz="2000" dirty="0" err="1"/>
+              <a:t>ietf</a:t>
+            </a:r>
+            <a:r>
+              <a:rPr lang="en-US" sz="2000" dirty="0"/>
+              <a:t>-transport-network-</a:t>
+            </a:r>
+            <a:r>
+              <a:rPr lang="en-US" sz="2000" dirty="0" err="1"/>
+              <a:t>slice.yang</a:t>
+            </a:r>
+            <a:r>
+              <a:rPr lang="en-US" sz="2000" dirty="0"/>
+              <a:t> by augmenting the model defined in draft-ietf-teas-ietf-network-slice-nbi-yang-02</a:t>
+            </a:r>
+          </a:p>
+          <a:p>
+            <a:pPr lvl="1"/>
+            <a:r>
+              <a:rPr lang="en-US" sz="2000" dirty="0"/>
+              <a:t>Renamed “</a:t>
+            </a:r>
+            <a:r>
+              <a:rPr lang="en-US" sz="2000" dirty="0" err="1"/>
+              <a:t>ietf</a:t>
+            </a:r>
+            <a:r>
+              <a:rPr lang="en-US" sz="2000" dirty="0"/>
+              <a:t>-</a:t>
+            </a:r>
+            <a:r>
+              <a:rPr lang="en-US" sz="2000" dirty="0" err="1"/>
+              <a:t>otn</a:t>
+            </a:r>
+            <a:r>
+              <a:rPr lang="en-US" sz="2000" dirty="0"/>
+              <a:t>-slice” to “</a:t>
+            </a:r>
+            <a:r>
+              <a:rPr lang="en-US" sz="2000" dirty="0" err="1"/>
+              <a:t>ietf</a:t>
+            </a:r>
+            <a:r>
+              <a:rPr lang="en-US" sz="2000" dirty="0"/>
+              <a:t>-</a:t>
+            </a:r>
+            <a:r>
+              <a:rPr lang="en-US" sz="2000" dirty="0" err="1"/>
+              <a:t>otn</a:t>
+            </a:r>
+            <a:r>
+              <a:rPr lang="en-US" sz="2000" dirty="0"/>
+              <a:t>-slice-</a:t>
+            </a:r>
+            <a:r>
+              <a:rPr lang="en-US" sz="2000" dirty="0" err="1"/>
+              <a:t>mpi</a:t>
+            </a:r>
+            <a:r>
+              <a:rPr lang="en-US" sz="2000" dirty="0"/>
+              <a:t>”</a:t>
+            </a:r>
+          </a:p>
+          <a:p>
+            <a:pPr lvl="2"/>
+            <a:r>
+              <a:rPr lang="en-US" sz="1800" dirty="0"/>
+              <a:t>“</a:t>
+            </a:r>
+            <a:r>
+              <a:rPr lang="en-US" sz="1800" dirty="0" err="1"/>
+              <a:t>ietf</a:t>
+            </a:r>
+            <a:r>
+              <a:rPr lang="en-US" sz="1800" dirty="0"/>
+              <a:t>-</a:t>
+            </a:r>
+            <a:r>
+              <a:rPr lang="en-US" sz="1800" dirty="0" err="1"/>
+              <a:t>otn</a:t>
+            </a:r>
+            <a:r>
+              <a:rPr lang="en-US" sz="1800" dirty="0"/>
+              <a:t>-slice” is reserved for the NBI model</a:t>
+            </a:r>
+          </a:p>
+          <a:p>
+            <a:pPr lvl="1"/>
+            <a:endParaRPr lang="en-US" sz="2000" dirty="0"/>
+          </a:p>
+          <a:p>
+            <a:pPr lvl="1"/>
+            <a:endParaRPr lang="en-US" sz="2000" dirty="0"/>
+          </a:p>
+          <a:p>
+            <a:pPr lvl="1"/>
+            <a:endParaRPr lang="en-US" sz="2000" dirty="0"/>
+          </a:p>
+        </p:txBody>
+      </p:sp>
+      <p:sp>
+        <p:nvSpPr>
+          <p:cNvPr id="5" name="TextBox 4">
+            <a:extLst>
+              <a:ext uri="{FF2B5EF4-FFF2-40B4-BE49-F238E27FC236}">
+                <a16:creationId xmlns:a16="http://schemas.microsoft.com/office/drawing/2014/main" id="{B5CF651C-7AA2-7465-9B1E-8963924829AD}"/>
+              </a:ext>
+            </a:extLst>
+          </p:cNvPr>
+          <p:cNvSpPr txBox="1"/>
+          <p:nvPr/>
+        </p:nvSpPr>
+        <p:spPr>
+          <a:xfrm>
+            <a:off x="8557806" y="5321365"/>
+            <a:ext cx="2574524" cy="338554"/>
+          </a:xfrm>
+          <a:prstGeom prst="rect">
+            <a:avLst/>
+          </a:prstGeom>
+          <a:noFill/>
+          <a:ln>
+            <a:solidFill>
+              <a:srgbClr val="002060"/>
+            </a:solidFill>
+          </a:ln>
+        </p:spPr>
+        <p:txBody>
+          <a:bodyPr wrap="square" rtlCol="0">
+            <a:spAutoFit/>
+          </a:bodyPr>
+          <a:lstStyle/>
+          <a:p>
+            <a:pPr algn="ctr"/>
+            <a:r>
+              <a:rPr lang="en-US" sz="1600" dirty="0" err="1"/>
+              <a:t>ietf</a:t>
+            </a:r>
+            <a:r>
+              <a:rPr lang="en-US" sz="1600" dirty="0"/>
+              <a:t>-network-slice-service</a:t>
+            </a:r>
+          </a:p>
+        </p:txBody>
+      </p:sp>
+      <p:sp>
+        <p:nvSpPr>
+          <p:cNvPr id="6" name="TextBox 5">
+            <a:extLst>
+              <a:ext uri="{FF2B5EF4-FFF2-40B4-BE49-F238E27FC236}">
+                <a16:creationId xmlns:a16="http://schemas.microsoft.com/office/drawing/2014/main" id="{019E191A-F555-18E5-87B9-1CF568F89D4E}"/>
+              </a:ext>
+            </a:extLst>
+          </p:cNvPr>
+          <p:cNvSpPr txBox="1"/>
+          <p:nvPr/>
+        </p:nvSpPr>
+        <p:spPr>
+          <a:xfrm>
+            <a:off x="8557806" y="4471358"/>
+            <a:ext cx="2574524" cy="338554"/>
+          </a:xfrm>
+          <a:prstGeom prst="rect">
+            <a:avLst/>
+          </a:prstGeom>
+          <a:noFill/>
+          <a:ln>
+            <a:solidFill>
+              <a:srgbClr val="002060"/>
+            </a:solidFill>
+          </a:ln>
+        </p:spPr>
+        <p:txBody>
+          <a:bodyPr wrap="square" rtlCol="0">
+            <a:spAutoFit/>
+          </a:bodyPr>
+          <a:lstStyle/>
+          <a:p>
+            <a:pPr algn="ctr"/>
+            <a:r>
+              <a:rPr lang="en-US" sz="1600" dirty="0" err="1"/>
+              <a:t>ietf</a:t>
+            </a:r>
+            <a:r>
+              <a:rPr lang="en-US" sz="1600" dirty="0"/>
+              <a:t>-transport-network-slice</a:t>
+            </a:r>
+          </a:p>
+        </p:txBody>
+      </p:sp>
+      <p:sp>
+        <p:nvSpPr>
+          <p:cNvPr id="7" name="TextBox 6">
+            <a:extLst>
+              <a:ext uri="{FF2B5EF4-FFF2-40B4-BE49-F238E27FC236}">
+                <a16:creationId xmlns:a16="http://schemas.microsoft.com/office/drawing/2014/main" id="{C8030AF9-AFF8-5086-678B-CBD8899DCFF0}"/>
+              </a:ext>
+            </a:extLst>
+          </p:cNvPr>
+          <p:cNvSpPr txBox="1"/>
+          <p:nvPr/>
+        </p:nvSpPr>
+        <p:spPr>
+          <a:xfrm>
+            <a:off x="8557806" y="3621352"/>
+            <a:ext cx="2574524" cy="338554"/>
+          </a:xfrm>
+          <a:prstGeom prst="rect">
+            <a:avLst/>
+          </a:prstGeom>
+          <a:noFill/>
+          <a:ln>
+            <a:solidFill>
+              <a:srgbClr val="002060"/>
+            </a:solidFill>
+          </a:ln>
+        </p:spPr>
+        <p:txBody>
+          <a:bodyPr wrap="square" rtlCol="0">
+            <a:spAutoFit/>
+          </a:bodyPr>
+          <a:lstStyle/>
+          <a:p>
+            <a:pPr algn="ctr"/>
+            <a:r>
+              <a:rPr lang="en-US" sz="1600" dirty="0" err="1"/>
+              <a:t>ietf</a:t>
+            </a:r>
+            <a:r>
+              <a:rPr lang="en-US" sz="1600" dirty="0"/>
+              <a:t>-</a:t>
+            </a:r>
+            <a:r>
+              <a:rPr lang="en-US" sz="1600" dirty="0" err="1"/>
+              <a:t>otn</a:t>
+            </a:r>
+            <a:r>
+              <a:rPr lang="en-US" sz="1600" dirty="0"/>
+              <a:t>-slice</a:t>
+            </a:r>
+          </a:p>
+        </p:txBody>
+      </p:sp>
+      <p:cxnSp>
+        <p:nvCxnSpPr>
+          <p:cNvPr id="9" name="Straight Arrow Connector 8">
+            <a:extLst>
+              <a:ext uri="{FF2B5EF4-FFF2-40B4-BE49-F238E27FC236}">
+                <a16:creationId xmlns:a16="http://schemas.microsoft.com/office/drawing/2014/main" id="{619F5A23-FEEB-48D7-5AC5-3DE656CC37D4}"/>
+              </a:ext>
+            </a:extLst>
+          </p:cNvPr>
+          <p:cNvCxnSpPr>
+            <a:stCxn id="5" idx="0"/>
+            <a:endCxn id="6" idx="2"/>
+          </p:cNvCxnSpPr>
+          <p:nvPr/>
+        </p:nvCxnSpPr>
+        <p:spPr>
+          <a:xfrm flipV="1">
+            <a:off x="9845068" y="4809912"/>
+            <a:ext cx="0" cy="511453"/>
+          </a:xfrm>
+          <a:prstGeom prst="straightConnector1">
+            <a:avLst/>
+          </a:prstGeom>
+          <a:ln>
+            <a:tailEnd type="triangle"/>
+          </a:ln>
+        </p:spPr>
+        <p:style>
+          <a:lnRef idx="3">
+            <a:schemeClr val="dk1"/>
+          </a:lnRef>
+          <a:fillRef idx="0">
+            <a:schemeClr val="dk1"/>
+          </a:fillRef>
+          <a:effectRef idx="2">
+            <a:schemeClr val="dk1"/>
+          </a:effectRef>
+          <a:fontRef idx="minor">
+            <a:schemeClr val="tx1"/>
+          </a:fontRef>
+        </p:style>
+      </p:cxnSp>
+      <p:sp>
+        <p:nvSpPr>
+          <p:cNvPr id="10" name="TextBox 9">
+            <a:extLst>
+              <a:ext uri="{FF2B5EF4-FFF2-40B4-BE49-F238E27FC236}">
+                <a16:creationId xmlns:a16="http://schemas.microsoft.com/office/drawing/2014/main" id="{A9A7F84E-90C2-DBC8-1ABC-8921FBAA31FB}"/>
+              </a:ext>
+            </a:extLst>
+          </p:cNvPr>
+          <p:cNvSpPr txBox="1"/>
+          <p:nvPr/>
+        </p:nvSpPr>
+        <p:spPr>
+          <a:xfrm>
+            <a:off x="9845068" y="4902860"/>
+            <a:ext cx="802014" cy="276999"/>
+          </a:xfrm>
+          <a:prstGeom prst="rect">
+            <a:avLst/>
+          </a:prstGeom>
+          <a:noFill/>
+        </p:spPr>
+        <p:txBody>
+          <a:bodyPr wrap="none" rtlCol="0">
+            <a:spAutoFit/>
+          </a:bodyPr>
+          <a:lstStyle/>
+          <a:p>
+            <a:r>
+              <a:rPr lang="en-US" sz="1200" dirty="0"/>
+              <a:t>augments</a:t>
+            </a:r>
+          </a:p>
+        </p:txBody>
+      </p:sp>
+      <p:cxnSp>
+        <p:nvCxnSpPr>
+          <p:cNvPr id="11" name="Straight Arrow Connector 10">
+            <a:extLst>
+              <a:ext uri="{FF2B5EF4-FFF2-40B4-BE49-F238E27FC236}">
+                <a16:creationId xmlns:a16="http://schemas.microsoft.com/office/drawing/2014/main" id="{4C9B4D65-C4A8-EBBC-5878-36A607F755BD}"/>
+              </a:ext>
+            </a:extLst>
+          </p:cNvPr>
+          <p:cNvCxnSpPr/>
+          <p:nvPr/>
+        </p:nvCxnSpPr>
+        <p:spPr>
+          <a:xfrm flipV="1">
+            <a:off x="9845068" y="3959905"/>
+            <a:ext cx="0" cy="511453"/>
+          </a:xfrm>
+          <a:prstGeom prst="straightConnector1">
+            <a:avLst/>
+          </a:prstGeom>
+          <a:ln>
+            <a:tailEnd type="triangle"/>
+          </a:ln>
+        </p:spPr>
+        <p:style>
+          <a:lnRef idx="3">
+            <a:schemeClr val="dk1"/>
+          </a:lnRef>
+          <a:fillRef idx="0">
+            <a:schemeClr val="dk1"/>
+          </a:fillRef>
+          <a:effectRef idx="2">
+            <a:schemeClr val="dk1"/>
+          </a:effectRef>
+          <a:fontRef idx="minor">
+            <a:schemeClr val="tx1"/>
+          </a:fontRef>
+        </p:style>
+      </p:cxnSp>
+      <p:sp>
+        <p:nvSpPr>
+          <p:cNvPr id="12" name="TextBox 11">
+            <a:extLst>
+              <a:ext uri="{FF2B5EF4-FFF2-40B4-BE49-F238E27FC236}">
+                <a16:creationId xmlns:a16="http://schemas.microsoft.com/office/drawing/2014/main" id="{C7F40AA3-851F-B34D-8DAB-E3A002DA057F}"/>
+              </a:ext>
+            </a:extLst>
+          </p:cNvPr>
+          <p:cNvSpPr txBox="1"/>
+          <p:nvPr/>
+        </p:nvSpPr>
+        <p:spPr>
+          <a:xfrm>
+            <a:off x="9845068" y="4052853"/>
+            <a:ext cx="802014" cy="276999"/>
+          </a:xfrm>
+          <a:prstGeom prst="rect">
+            <a:avLst/>
+          </a:prstGeom>
+          <a:noFill/>
+        </p:spPr>
+        <p:txBody>
+          <a:bodyPr wrap="none" rtlCol="0">
+            <a:spAutoFit/>
+          </a:bodyPr>
+          <a:lstStyle/>
+          <a:p>
+            <a:r>
+              <a:rPr lang="en-US" sz="1200" dirty="0"/>
+              <a:t>augments</a:t>
+            </a:r>
+          </a:p>
+        </p:txBody>
+      </p:sp>
+      <p:sp>
+        <p:nvSpPr>
+          <p:cNvPr id="14" name="TextBox 13">
+            <a:extLst>
+              <a:ext uri="{FF2B5EF4-FFF2-40B4-BE49-F238E27FC236}">
+                <a16:creationId xmlns:a16="http://schemas.microsoft.com/office/drawing/2014/main" id="{428865F4-23FA-2C84-4B98-04DD2C9A8BA9}"/>
+              </a:ext>
+            </a:extLst>
+          </p:cNvPr>
+          <p:cNvSpPr txBox="1"/>
+          <p:nvPr/>
+        </p:nvSpPr>
+        <p:spPr>
+          <a:xfrm>
+            <a:off x="838200" y="1906124"/>
+            <a:ext cx="10088880" cy="1077218"/>
+          </a:xfrm>
+          <a:prstGeom prst="rect">
+            <a:avLst/>
+          </a:prstGeom>
+          <a:noFill/>
+        </p:spPr>
+        <p:txBody>
+          <a:bodyPr wrap="square">
+            <a:spAutoFit/>
+          </a:bodyPr>
+          <a:lstStyle/>
+          <a:p>
+            <a:pPr marL="342900" indent="-342900">
+              <a:buFont typeface="Arial" panose="020B0604020202020204" pitchFamily="34" charset="0"/>
+              <a:buChar char="•"/>
+            </a:pPr>
+            <a:r>
+              <a:rPr lang="en-US" sz="2400" dirty="0"/>
               <a:t>Text Updates</a:t>
             </a:r>
           </a:p>
           <a:p>
-            <a:pPr lvl="1"/>
-            <a:r>
-              <a:rPr lang="en-US" dirty="0"/>
-              <a:t>Added a section to describe OTN slice realization with NRP (Network Resource Partitioning)</a:t>
-            </a:r>
-          </a:p>
-          <a:p>
-            <a:pPr lvl="1"/>
-            <a:r>
-              <a:rPr lang="en-US" dirty="0"/>
+            <a:pPr marL="741363" lvl="1" indent="-284163">
+              <a:buFont typeface="Arial" panose="020B0604020202020204" pitchFamily="34" charset="0"/>
+              <a:buChar char="•"/>
+            </a:pPr>
+            <a:r>
+              <a:rPr lang="en-US" sz="2000" dirty="0"/>
+              <a:t>Added a section to describe OTN slice realization with NRP (Network Resource Partition)</a:t>
+            </a:r>
+          </a:p>
+          <a:p>
+            <a:pPr marL="741363" lvl="1" indent="-284163">
+              <a:buFont typeface="Arial" panose="020B0604020202020204" pitchFamily="34" charset="0"/>
+              <a:buChar char="•"/>
+            </a:pPr>
+            <a:r>
+              <a:rPr lang="en-US" sz="2000" dirty="0"/>
               <a:t>Other cosmetic updates</a:t>
             </a:r>
           </a:p>
-          <a:p>
-            <a:endParaRPr lang="en-US" dirty="0"/>
-          </a:p>
-          <a:p>
-            <a:r>
-              <a:rPr lang="en-US" dirty="0"/>
-              <a:t>YANG Model Updates</a:t>
-            </a:r>
-          </a:p>
-          <a:p>
-            <a:pPr lvl="1"/>
-            <a:r>
-              <a:rPr lang="en-US" dirty="0"/>
-              <a:t>Rebased </a:t>
-            </a:r>
-            <a:r>
-              <a:rPr lang="en-US" dirty="0" err="1"/>
+        </p:txBody>
+      </p:sp>
+      <p:sp>
+        <p:nvSpPr>
+          <p:cNvPr id="16" name="TextBox 15">
+            <a:extLst>
+              <a:ext uri="{FF2B5EF4-FFF2-40B4-BE49-F238E27FC236}">
+                <a16:creationId xmlns:a16="http://schemas.microsoft.com/office/drawing/2014/main" id="{89B8D0EF-30FC-4BD3-223E-4CB8AD7FD2E6}"/>
+              </a:ext>
+            </a:extLst>
+          </p:cNvPr>
+          <p:cNvSpPr txBox="1"/>
+          <p:nvPr/>
+        </p:nvSpPr>
+        <p:spPr>
+          <a:xfrm>
+            <a:off x="11353799" y="4077131"/>
+            <a:ext cx="772134" cy="276999"/>
+          </a:xfrm>
+          <a:prstGeom prst="rect">
+            <a:avLst/>
+          </a:prstGeom>
+          <a:noFill/>
+          <a:ln>
+            <a:noFill/>
+          </a:ln>
+        </p:spPr>
+        <p:txBody>
+          <a:bodyPr wrap="none" rtlCol="0">
+            <a:spAutoFit/>
+          </a:bodyPr>
+          <a:lstStyle/>
+          <a:p>
+            <a:r>
+              <a:rPr lang="en-US" sz="1200" dirty="0"/>
+              <a:t>This draft</a:t>
+            </a:r>
+          </a:p>
+        </p:txBody>
+      </p:sp>
+      <p:cxnSp>
+        <p:nvCxnSpPr>
+          <p:cNvPr id="18" name="Straight Arrow Connector 17">
+            <a:extLst>
+              <a:ext uri="{FF2B5EF4-FFF2-40B4-BE49-F238E27FC236}">
+                <a16:creationId xmlns:a16="http://schemas.microsoft.com/office/drawing/2014/main" id="{0F5AC4F6-555E-1583-4325-529736453A60}"/>
+              </a:ext>
+            </a:extLst>
+          </p:cNvPr>
+          <p:cNvCxnSpPr>
+            <a:stCxn id="16" idx="0"/>
+          </p:cNvCxnSpPr>
+          <p:nvPr/>
+        </p:nvCxnSpPr>
+        <p:spPr>
+          <a:xfrm flipH="1" flipV="1">
+            <a:off x="11230252" y="3852909"/>
+            <a:ext cx="509614" cy="224222"/>
+          </a:xfrm>
+          <a:prstGeom prst="straightConnector1">
+            <a:avLst/>
+          </a:prstGeom>
+          <a:ln>
+            <a:tailEnd type="triangle"/>
+          </a:ln>
+        </p:spPr>
+        <p:style>
+          <a:lnRef idx="1">
+            <a:schemeClr val="accent1"/>
+          </a:lnRef>
+          <a:fillRef idx="0">
+            <a:schemeClr val="accent1"/>
+          </a:fillRef>
+          <a:effectRef idx="0">
+            <a:schemeClr val="accent1"/>
+          </a:effectRef>
+          <a:fontRef idx="minor">
+            <a:schemeClr val="tx1"/>
+          </a:fontRef>
+        </p:style>
+      </p:cxnSp>
+      <p:cxnSp>
+        <p:nvCxnSpPr>
+          <p:cNvPr id="19" name="Straight Arrow Connector 18">
+            <a:extLst>
+              <a:ext uri="{FF2B5EF4-FFF2-40B4-BE49-F238E27FC236}">
+                <a16:creationId xmlns:a16="http://schemas.microsoft.com/office/drawing/2014/main" id="{13AEB0BF-B70F-9ECB-91F6-0A64AC7D8B5A}"/>
+              </a:ext>
+            </a:extLst>
+          </p:cNvPr>
+          <p:cNvCxnSpPr>
+            <a:cxnSpLocks/>
+            <a:stCxn id="16" idx="2"/>
+          </p:cNvCxnSpPr>
+          <p:nvPr/>
+        </p:nvCxnSpPr>
+        <p:spPr>
+          <a:xfrm flipH="1">
+            <a:off x="11315307" y="4354130"/>
+            <a:ext cx="424559" cy="286505"/>
+          </a:xfrm>
+          <a:prstGeom prst="straightConnector1">
+            <a:avLst/>
+          </a:prstGeom>
+          <a:ln>
+            <a:tailEnd type="triangle"/>
+          </a:ln>
+        </p:spPr>
+        <p:style>
+          <a:lnRef idx="1">
+            <a:schemeClr val="accent1"/>
+          </a:lnRef>
+          <a:fillRef idx="0">
+            <a:schemeClr val="accent1"/>
+          </a:fillRef>
+          <a:effectRef idx="0">
+            <a:schemeClr val="accent1"/>
+          </a:effectRef>
+          <a:fontRef idx="minor">
+            <a:schemeClr val="tx1"/>
+          </a:fontRef>
+        </p:style>
+      </p:cxnSp>
+      <p:sp>
+        <p:nvSpPr>
+          <p:cNvPr id="22" name="TextBox 21">
+            <a:extLst>
+              <a:ext uri="{FF2B5EF4-FFF2-40B4-BE49-F238E27FC236}">
+                <a16:creationId xmlns:a16="http://schemas.microsoft.com/office/drawing/2014/main" id="{AF923379-E65E-0EC6-C9A3-D1C2BEF82B36}"/>
+              </a:ext>
+            </a:extLst>
+          </p:cNvPr>
+          <p:cNvSpPr txBox="1"/>
+          <p:nvPr/>
+        </p:nvSpPr>
+        <p:spPr>
+          <a:xfrm>
+            <a:off x="11442531" y="5075143"/>
+            <a:ext cx="838201" cy="830997"/>
+          </a:xfrm>
+          <a:prstGeom prst="rect">
+            <a:avLst/>
+          </a:prstGeom>
+          <a:noFill/>
+          <a:ln>
+            <a:noFill/>
+          </a:ln>
+        </p:spPr>
+        <p:txBody>
+          <a:bodyPr wrap="square" rtlCol="0">
+            <a:spAutoFit/>
+          </a:bodyPr>
+          <a:lstStyle/>
+          <a:p>
+            <a:r>
+              <a:rPr lang="en-US" sz="1200" dirty="0"/>
+              <a:t>draft-</a:t>
+            </a:r>
+            <a:r>
+              <a:rPr lang="en-US" sz="1200" dirty="0" err="1"/>
               <a:t>ietf</a:t>
             </a:r>
             <a:r>
-              <a:rPr lang="en-US" dirty="0"/>
-              <a:t>-transport-network-</a:t>
-            </a:r>
-            <a:r>
-              <a:rPr lang="en-US" dirty="0" err="1"/>
-              <a:t>slice.yang</a:t>
-            </a:r>
-            <a:r>
-              <a:rPr lang="en-US" dirty="0"/>
-              <a:t> by augmenting the model define d in draft-ietf-teas-ietf-network-slice-nbi-yang-02</a:t>
-            </a:r>
-          </a:p>
-          <a:p>
-            <a:pPr lvl="1"/>
-            <a:r>
-              <a:rPr lang="en-US" dirty="0"/>
-              <a:t>Renamed “</a:t>
-            </a:r>
-            <a:r>
-              <a:rPr lang="en-US" dirty="0" err="1"/>
-              <a:t>ietf</a:t>
-            </a:r>
-            <a:r>
-              <a:rPr lang="en-US" dirty="0"/>
-              <a:t>-</a:t>
-            </a:r>
-            <a:r>
-              <a:rPr lang="en-US" dirty="0" err="1"/>
-              <a:t>otn</a:t>
-            </a:r>
-            <a:r>
-              <a:rPr lang="en-US" dirty="0"/>
-              <a:t>-slice” to “</a:t>
-            </a:r>
-            <a:r>
-              <a:rPr lang="en-US" dirty="0" err="1"/>
-              <a:t>ietf</a:t>
-            </a:r>
-            <a:r>
-              <a:rPr lang="en-US" dirty="0"/>
-              <a:t>-</a:t>
-            </a:r>
-            <a:r>
-              <a:rPr lang="en-US" dirty="0" err="1"/>
-              <a:t>otn</a:t>
-            </a:r>
-            <a:r>
-              <a:rPr lang="en-US" dirty="0"/>
-              <a:t>-slice-</a:t>
-            </a:r>
-            <a:r>
-              <a:rPr lang="en-US" dirty="0" err="1"/>
-              <a:t>mpi</a:t>
-            </a:r>
-            <a:r>
-              <a:rPr lang="en-US" dirty="0"/>
-              <a:t>”</a:t>
-            </a:r>
-          </a:p>
-          <a:p>
-            <a:pPr lvl="1"/>
-            <a:endParaRPr lang="en-US" dirty="0"/>
-          </a:p>
-          <a:p>
-            <a:pPr lvl="1"/>
-            <a:endParaRPr lang="en-US" dirty="0"/>
-          </a:p>
-          <a:p>
-            <a:pPr lvl="1"/>
-            <a:endParaRPr lang="en-US" dirty="0"/>
-          </a:p>
-        </p:txBody>
-      </p:sp>
+              <a:rPr lang="en-US" sz="1200" dirty="0"/>
+              <a:t>-teas-network-slice-</a:t>
+            </a:r>
+            <a:r>
+              <a:rPr lang="en-US" sz="1200" dirty="0" err="1"/>
+              <a:t>nbi</a:t>
+            </a:r>
+            <a:endParaRPr lang="en-US" sz="1200" dirty="0"/>
+          </a:p>
+        </p:txBody>
+      </p:sp>
+      <p:cxnSp>
+        <p:nvCxnSpPr>
+          <p:cNvPr id="23" name="Straight Arrow Connector 22">
+            <a:extLst>
+              <a:ext uri="{FF2B5EF4-FFF2-40B4-BE49-F238E27FC236}">
+                <a16:creationId xmlns:a16="http://schemas.microsoft.com/office/drawing/2014/main" id="{AE84816A-9C56-E1DE-E5E5-15F0BFE8367D}"/>
+              </a:ext>
+            </a:extLst>
+          </p:cNvPr>
+          <p:cNvCxnSpPr>
+            <a:cxnSpLocks/>
+            <a:endCxn id="5" idx="3"/>
+          </p:cNvCxnSpPr>
+          <p:nvPr/>
+        </p:nvCxnSpPr>
+        <p:spPr>
+          <a:xfrm flipH="1">
+            <a:off x="11132330" y="5490642"/>
+            <a:ext cx="310201" cy="0"/>
+          </a:xfrm>
+          <a:prstGeom prst="straightConnector1">
+            <a:avLst/>
+          </a:prstGeom>
+          <a:ln>
+            <a:tailEnd type="triangle"/>
+          </a:ln>
+        </p:spPr>
+        <p:style>
+          <a:lnRef idx="1">
+            <a:schemeClr val="accent1"/>
+          </a:lnRef>
+          <a:fillRef idx="0">
+            <a:schemeClr val="accent1"/>
+          </a:fillRef>
+          <a:effectRef idx="0">
+            <a:schemeClr val="accent1"/>
+          </a:effectRef>
+          <a:fontRef idx="minor">
+            <a:schemeClr val="tx1"/>
+          </a:fontRef>
+        </p:style>
+      </p:cxnSp>
     </p:spTree>
     <p:extLst>
       <p:ext uri="{BB962C8B-B14F-4D97-AF65-F5344CB8AC3E}">
@@ -5202,7 +5772,7 @@
           <a:p>
             <a:r>
               <a:rPr lang="en-US" dirty="0"/>
-              <a:t>NRP can be used to address some scalability issues mostly occurred in packet networks</a:t>
+              <a:t>NRP can be used to address scalability issues mostly occurred in packet networks and reduce complexity in the realization of slices</a:t>
             </a:r>
           </a:p>
           <a:p>
@@ -5383,7 +5953,7 @@
             <a:pPr lvl="1"/>
             <a:r>
               <a:rPr lang="en-US" dirty="0"/>
-              <a:t>OTN slice : NRP topology = 1: 1</a:t>
+              <a:t>OTN slice topology: NRP topology = 1: 1</a:t>
             </a:r>
           </a:p>
           <a:p>
@@ -5745,7 +6315,7 @@
           <a:p>
             <a:r>
               <a:rPr lang="en-US" dirty="0"/>
-              <a:t>For OTN Slicing we intend to define explicit, technology-specific attributes and ignore the opaque definitions from the base model</a:t>
+              <a:t>For OTN Slicing we intend to define explicit, technology-specific attributes and not use the opaque definition</a:t>
             </a:r>
           </a:p>
         </p:txBody>
@@ -6011,7 +6581,7 @@
             <a:pPr lvl="1"/>
             <a:r>
               <a:rPr lang="en-US" dirty="0"/>
-              <a:t>OTN technology-specific SLO/SLE</a:t>
+              <a:t>Technology-specific SLO/SLE for OTN</a:t>
             </a:r>
           </a:p>
           <a:p>
@@ -6768,6 +7338,25 @@
 </file>
 
 <file path=customXml/item1.xml><?xml version="1.0" encoding="utf-8"?>
+<?mso-contentType ?>
+<FormTemplates xmlns="http://schemas.microsoft.com/sharepoint/v3/contenttype/forms">
+  <Display>DocumentLibraryForm</Display>
+  <Edit>DocumentLibraryForm</Edit>
+  <New>DocumentLibraryForm</New>
+</FormTemplates>
+</file>
+
+<file path=customXml/item2.xml><?xml version="1.0" encoding="utf-8"?>
+<?mso-contentType ?>
+<spe:Receivers xmlns:spe="http://schemas.microsoft.com/sharepoint/events"/>
+</file>
+
+<file path=customXml/item3.xml><?xml version="1.0" encoding="utf-8"?>
+<?mso-contentType ?>
+<SharedContentType xmlns="Microsoft.SharePoint.Taxonomy.ContentTypeSync" SourceId="34c87397-5fc1-491e-85e7-d6110dbe9cbd" ContentTypeId="0x0101" PreviousValue="false"/>
+</file>
+
+<file path=customXml/item4.xml><?xml version="1.0" encoding="utf-8"?>
 <ct:contentTypeSchema xmlns:ct="http://schemas.microsoft.com/office/2006/metadata/contentType" xmlns:ma="http://schemas.microsoft.com/office/2006/metadata/properties/metaAttributes" ct:_="" ma:_="" ma:contentTypeName="Document" ma:contentTypeID="0x01010083185B6FD968AC4F8244C98DADFCDDF2" ma:contentTypeVersion="10" ma:contentTypeDescription="Create a new document." ma:contentTypeScope="" ma:versionID="a0a5748a9dac91f93248b2b077c41dd7">
   <xsd:schema xmlns:xsd="http://www.w3.org/2001/XMLSchema" xmlns:xs="http://www.w3.org/2001/XMLSchema" xmlns:p="http://schemas.microsoft.com/office/2006/metadata/properties" xmlns:ns3="71c5aaf6-e6ce-465b-b873-5148d2a4c105" xmlns:ns4="687e87d0-d0a8-4c48-8f94-14f0c67212c5" xmlns:ns5="b4d06219-a142-4c5f-be55-53f74cb980c7" targetNamespace="http://schemas.microsoft.com/office/2006/metadata/properties" ma:root="true" ma:fieldsID="b06f86fc5fa60c034a6b2d88bb81de5b" ns3:_="" ns4:_="" ns5:_="">
     <xsd:import namespace="71c5aaf6-e6ce-465b-b873-5148d2a4c105"/>
@@ -7006,25 +7595,6 @@
 </ct:contentTypeSchema>
 </file>
 
-<file path=customXml/item2.xml><?xml version="1.0" encoding="utf-8"?>
-<?mso-contentType ?>
-<SharedContentType xmlns="Microsoft.SharePoint.Taxonomy.ContentTypeSync" SourceId="34c87397-5fc1-491e-85e7-d6110dbe9cbd" ContentTypeId="0x0101" PreviousValue="false"/>
-</file>
-
-<file path=customXml/item3.xml><?xml version="1.0" encoding="utf-8"?>
-<?mso-contentType ?>
-<spe:Receivers xmlns:spe="http://schemas.microsoft.com/sharepoint/events"/>
-</file>
-
-<file path=customXml/item4.xml><?xml version="1.0" encoding="utf-8"?>
-<?mso-contentType ?>
-<FormTemplates xmlns="http://schemas.microsoft.com/sharepoint/v3/contenttype/forms">
-  <Display>DocumentLibraryForm</Display>
-  <Edit>DocumentLibraryForm</Edit>
-  <New>DocumentLibraryForm</New>
-</FormTemplates>
-</file>
-
 <file path=customXml/item5.xml><?xml version="1.0" encoding="utf-8"?>
 <p:properties xmlns:p="http://schemas.microsoft.com/office/2006/metadata/properties" xmlns:xsi="http://www.w3.org/2001/XMLSchema-instance" xmlns:pc="http://schemas.microsoft.com/office/infopath/2007/PartnerControls">
   <documentManagement>
@@ -7034,6 +7604,30 @@
 </file>
 
 <file path=customXml/itemProps1.xml><?xml version="1.0" encoding="utf-8"?>
+<ds:datastoreItem xmlns:ds="http://schemas.openxmlformats.org/officeDocument/2006/customXml" ds:itemID="{FFF5BEF5-BF1F-44F4-AFBC-1295B944FD55}">
+  <ds:schemaRefs>
+    <ds:schemaRef ds:uri="http://schemas.microsoft.com/sharepoint/v3/contenttype/forms"/>
+  </ds:schemaRefs>
+</ds:datastoreItem>
+</file>
+
+<file path=customXml/itemProps2.xml><?xml version="1.0" encoding="utf-8"?>
+<ds:datastoreItem xmlns:ds="http://schemas.openxmlformats.org/officeDocument/2006/customXml" ds:itemID="{917A1171-45E3-4E0C-B712-8306AE0B7411}">
+  <ds:schemaRefs>
+    <ds:schemaRef ds:uri="http://schemas.microsoft.com/sharepoint/events"/>
+  </ds:schemaRefs>
+</ds:datastoreItem>
+</file>
+
+<file path=customXml/itemProps3.xml><?xml version="1.0" encoding="utf-8"?>
+<ds:datastoreItem xmlns:ds="http://schemas.openxmlformats.org/officeDocument/2006/customXml" ds:itemID="{68412ECC-D61E-4B23-B7FF-722505864B65}">
+  <ds:schemaRefs>
+    <ds:schemaRef ds:uri="Microsoft.SharePoint.Taxonomy.ContentTypeSync"/>
+  </ds:schemaRefs>
+</ds:datastoreItem>
+</file>
+
+<file path=customXml/itemProps4.xml><?xml version="1.0" encoding="utf-8"?>
 <ds:datastoreItem xmlns:ds="http://schemas.openxmlformats.org/officeDocument/2006/customXml" ds:itemID="{334975F1-7A16-4F7E-84AE-F419563FD202}">
   <ds:schemaRefs>
     <ds:schemaRef ds:uri="http://schemas.microsoft.com/office/2006/metadata/contentType"/>
@@ -7049,30 +7643,6 @@
     <ds:schemaRef ds:uri="http://purl.org/dc/elements/1.1/"/>
     <ds:schemaRef ds:uri="http://purl.org/dc/terms/"/>
     <ds:schemaRef ds:uri="http://schemas.microsoft.com/internal/obd"/>
-  </ds:schemaRefs>
-</ds:datastoreItem>
-</file>
-
-<file path=customXml/itemProps2.xml><?xml version="1.0" encoding="utf-8"?>
-<ds:datastoreItem xmlns:ds="http://schemas.openxmlformats.org/officeDocument/2006/customXml" ds:itemID="{68412ECC-D61E-4B23-B7FF-722505864B65}">
-  <ds:schemaRefs>
-    <ds:schemaRef ds:uri="Microsoft.SharePoint.Taxonomy.ContentTypeSync"/>
-  </ds:schemaRefs>
-</ds:datastoreItem>
-</file>
-
-<file path=customXml/itemProps3.xml><?xml version="1.0" encoding="utf-8"?>
-<ds:datastoreItem xmlns:ds="http://schemas.openxmlformats.org/officeDocument/2006/customXml" ds:itemID="{917A1171-45E3-4E0C-B712-8306AE0B7411}">
-  <ds:schemaRefs>
-    <ds:schemaRef ds:uri="http://schemas.microsoft.com/sharepoint/events"/>
-  </ds:schemaRefs>
-</ds:datastoreItem>
-</file>
-
-<file path=customXml/itemProps4.xml><?xml version="1.0" encoding="utf-8"?>
-<ds:datastoreItem xmlns:ds="http://schemas.openxmlformats.org/officeDocument/2006/customXml" ds:itemID="{FFF5BEF5-BF1F-44F4-AFBC-1295B944FD55}">
-  <ds:schemaRefs>
-    <ds:schemaRef ds:uri="http://schemas.microsoft.com/sharepoint/v3/contenttype/forms"/>
   </ds:schemaRefs>
 </ds:datastoreItem>
 </file>

--- a/Meeting Materials/draft-ietf-ccamp-yang-otn-slicing-02.pptx
+++ b/Meeting Materials/draft-ietf-ccamp-yang-otn-slicing-02.pptx
@@ -5778,7 +5778,7 @@
           <a:p>
             <a:r>
               <a:rPr lang="en-US" dirty="0"/>
-              <a:t>NRP is internal construct to a network slice controller, but may be pushed to underlying SDN controller or control plane through MPI to facilitate the realization</a:t>
+              <a:t>NRP is internal construct to a network slice controller, but may be configured on the underlying SDN controller through MPI to facilitate the slice realization</a:t>
             </a:r>
           </a:p>
           <a:p>
@@ -7338,25 +7338,14 @@
 </file>
 
 <file path=customXml/item1.xml><?xml version="1.0" encoding="utf-8"?>
-<?mso-contentType ?>
-<FormTemplates xmlns="http://schemas.microsoft.com/sharepoint/v3/contenttype/forms">
-  <Display>DocumentLibraryForm</Display>
-  <Edit>DocumentLibraryForm</Edit>
-  <New>DocumentLibraryForm</New>
-</FormTemplates>
+<p:properties xmlns:p="http://schemas.microsoft.com/office/2006/metadata/properties" xmlns:xsi="http://www.w3.org/2001/XMLSchema-instance" xmlns:pc="http://schemas.microsoft.com/office/infopath/2007/PartnerControls">
+  <documentManagement>
+    <HideFromDelve xmlns="71c5aaf6-e6ce-465b-b873-5148d2a4c105">false</HideFromDelve>
+  </documentManagement>
+</p:properties>
 </file>
 
 <file path=customXml/item2.xml><?xml version="1.0" encoding="utf-8"?>
-<?mso-contentType ?>
-<spe:Receivers xmlns:spe="http://schemas.microsoft.com/sharepoint/events"/>
-</file>
-
-<file path=customXml/item3.xml><?xml version="1.0" encoding="utf-8"?>
-<?mso-contentType ?>
-<SharedContentType xmlns="Microsoft.SharePoint.Taxonomy.ContentTypeSync" SourceId="34c87397-5fc1-491e-85e7-d6110dbe9cbd" ContentTypeId="0x0101" PreviousValue="false"/>
-</file>
-
-<file path=customXml/item4.xml><?xml version="1.0" encoding="utf-8"?>
 <ct:contentTypeSchema xmlns:ct="http://schemas.microsoft.com/office/2006/metadata/contentType" xmlns:ma="http://schemas.microsoft.com/office/2006/metadata/properties/metaAttributes" ct:_="" ma:_="" ma:contentTypeName="Document" ma:contentTypeID="0x01010083185B6FD968AC4F8244C98DADFCDDF2" ma:contentTypeVersion="10" ma:contentTypeDescription="Create a new document." ma:contentTypeScope="" ma:versionID="a0a5748a9dac91f93248b2b077c41dd7">
   <xsd:schema xmlns:xsd="http://www.w3.org/2001/XMLSchema" xmlns:xs="http://www.w3.org/2001/XMLSchema" xmlns:p="http://schemas.microsoft.com/office/2006/metadata/properties" xmlns:ns3="71c5aaf6-e6ce-465b-b873-5148d2a4c105" xmlns:ns4="687e87d0-d0a8-4c48-8f94-14f0c67212c5" xmlns:ns5="b4d06219-a142-4c5f-be55-53f74cb980c7" targetNamespace="http://schemas.microsoft.com/office/2006/metadata/properties" ma:root="true" ma:fieldsID="b06f86fc5fa60c034a6b2d88bb81de5b" ns3:_="" ns4:_="" ns5:_="">
     <xsd:import namespace="71c5aaf6-e6ce-465b-b873-5148d2a4c105"/>
@@ -7595,39 +7584,44 @@
 </ct:contentTypeSchema>
 </file>
 
+<file path=customXml/item3.xml><?xml version="1.0" encoding="utf-8"?>
+<?mso-contentType ?>
+<SharedContentType xmlns="Microsoft.SharePoint.Taxonomy.ContentTypeSync" SourceId="34c87397-5fc1-491e-85e7-d6110dbe9cbd" ContentTypeId="0x0101" PreviousValue="false"/>
+</file>
+
+<file path=customXml/item4.xml><?xml version="1.0" encoding="utf-8"?>
+<?mso-contentType ?>
+<spe:Receivers xmlns:spe="http://schemas.microsoft.com/sharepoint/events"/>
+</file>
+
 <file path=customXml/item5.xml><?xml version="1.0" encoding="utf-8"?>
-<p:properties xmlns:p="http://schemas.microsoft.com/office/2006/metadata/properties" xmlns:xsi="http://www.w3.org/2001/XMLSchema-instance" xmlns:pc="http://schemas.microsoft.com/office/infopath/2007/PartnerControls">
-  <documentManagement>
-    <HideFromDelve xmlns="71c5aaf6-e6ce-465b-b873-5148d2a4c105">false</HideFromDelve>
-  </documentManagement>
-</p:properties>
+<?mso-contentType ?>
+<FormTemplates xmlns="http://schemas.microsoft.com/sharepoint/v3/contenttype/forms">
+  <Display>DocumentLibraryForm</Display>
+  <Edit>DocumentLibraryForm</Edit>
+  <New>DocumentLibraryForm</New>
+</FormTemplates>
 </file>
 
 <file path=customXml/itemProps1.xml><?xml version="1.0" encoding="utf-8"?>
-<ds:datastoreItem xmlns:ds="http://schemas.openxmlformats.org/officeDocument/2006/customXml" ds:itemID="{FFF5BEF5-BF1F-44F4-AFBC-1295B944FD55}">
+<ds:datastoreItem xmlns:ds="http://schemas.openxmlformats.org/officeDocument/2006/customXml" ds:itemID="{D1402BC5-1A46-47E2-B58E-ED5697CD9276}">
   <ds:schemaRefs>
-    <ds:schemaRef ds:uri="http://schemas.microsoft.com/sharepoint/v3/contenttype/forms"/>
+    <ds:schemaRef ds:uri="71c5aaf6-e6ce-465b-b873-5148d2a4c105"/>
+    <ds:schemaRef ds:uri="http://purl.org/dc/elements/1.1/"/>
+    <ds:schemaRef ds:uri="http://schemas.openxmlformats.org/package/2006/metadata/core-properties"/>
+    <ds:schemaRef ds:uri="687e87d0-d0a8-4c48-8f94-14f0c67212c5"/>
+    <ds:schemaRef ds:uri="http://schemas.microsoft.com/office/2006/documentManagement/types"/>
+    <ds:schemaRef ds:uri="http://purl.org/dc/terms/"/>
+    <ds:schemaRef ds:uri="http://purl.org/dc/dcmitype/"/>
+    <ds:schemaRef ds:uri="http://schemas.microsoft.com/office/infopath/2007/PartnerControls"/>
+    <ds:schemaRef ds:uri="b4d06219-a142-4c5f-be55-53f74cb980c7"/>
+    <ds:schemaRef ds:uri="http://schemas.microsoft.com/office/2006/metadata/properties"/>
+    <ds:schemaRef ds:uri="http://www.w3.org/XML/1998/namespace"/>
   </ds:schemaRefs>
 </ds:datastoreItem>
 </file>
 
 <file path=customXml/itemProps2.xml><?xml version="1.0" encoding="utf-8"?>
-<ds:datastoreItem xmlns:ds="http://schemas.openxmlformats.org/officeDocument/2006/customXml" ds:itemID="{917A1171-45E3-4E0C-B712-8306AE0B7411}">
-  <ds:schemaRefs>
-    <ds:schemaRef ds:uri="http://schemas.microsoft.com/sharepoint/events"/>
-  </ds:schemaRefs>
-</ds:datastoreItem>
-</file>
-
-<file path=customXml/itemProps3.xml><?xml version="1.0" encoding="utf-8"?>
-<ds:datastoreItem xmlns:ds="http://schemas.openxmlformats.org/officeDocument/2006/customXml" ds:itemID="{68412ECC-D61E-4B23-B7FF-722505864B65}">
-  <ds:schemaRefs>
-    <ds:schemaRef ds:uri="Microsoft.SharePoint.Taxonomy.ContentTypeSync"/>
-  </ds:schemaRefs>
-</ds:datastoreItem>
-</file>
-
-<file path=customXml/itemProps4.xml><?xml version="1.0" encoding="utf-8"?>
 <ds:datastoreItem xmlns:ds="http://schemas.openxmlformats.org/officeDocument/2006/customXml" ds:itemID="{334975F1-7A16-4F7E-84AE-F419563FD202}">
   <ds:schemaRefs>
     <ds:schemaRef ds:uri="http://schemas.microsoft.com/office/2006/metadata/contentType"/>
@@ -7647,20 +7641,26 @@
 </ds:datastoreItem>
 </file>
 
+<file path=customXml/itemProps3.xml><?xml version="1.0" encoding="utf-8"?>
+<ds:datastoreItem xmlns:ds="http://schemas.openxmlformats.org/officeDocument/2006/customXml" ds:itemID="{68412ECC-D61E-4B23-B7FF-722505864B65}">
+  <ds:schemaRefs>
+    <ds:schemaRef ds:uri="Microsoft.SharePoint.Taxonomy.ContentTypeSync"/>
+  </ds:schemaRefs>
+</ds:datastoreItem>
+</file>
+
+<file path=customXml/itemProps4.xml><?xml version="1.0" encoding="utf-8"?>
+<ds:datastoreItem xmlns:ds="http://schemas.openxmlformats.org/officeDocument/2006/customXml" ds:itemID="{917A1171-45E3-4E0C-B712-8306AE0B7411}">
+  <ds:schemaRefs>
+    <ds:schemaRef ds:uri="http://schemas.microsoft.com/sharepoint/events"/>
+  </ds:schemaRefs>
+</ds:datastoreItem>
+</file>
+
 <file path=customXml/itemProps5.xml><?xml version="1.0" encoding="utf-8"?>
-<ds:datastoreItem xmlns:ds="http://schemas.openxmlformats.org/officeDocument/2006/customXml" ds:itemID="{D1402BC5-1A46-47E2-B58E-ED5697CD9276}">
+<ds:datastoreItem xmlns:ds="http://schemas.openxmlformats.org/officeDocument/2006/customXml" ds:itemID="{FFF5BEF5-BF1F-44F4-AFBC-1295B944FD55}">
   <ds:schemaRefs>
-    <ds:schemaRef ds:uri="71c5aaf6-e6ce-465b-b873-5148d2a4c105"/>
-    <ds:schemaRef ds:uri="http://purl.org/dc/elements/1.1/"/>
-    <ds:schemaRef ds:uri="http://schemas.openxmlformats.org/package/2006/metadata/core-properties"/>
-    <ds:schemaRef ds:uri="687e87d0-d0a8-4c48-8f94-14f0c67212c5"/>
-    <ds:schemaRef ds:uri="http://schemas.microsoft.com/office/2006/documentManagement/types"/>
-    <ds:schemaRef ds:uri="http://purl.org/dc/terms/"/>
-    <ds:schemaRef ds:uri="http://purl.org/dc/dcmitype/"/>
-    <ds:schemaRef ds:uri="http://schemas.microsoft.com/office/infopath/2007/PartnerControls"/>
-    <ds:schemaRef ds:uri="b4d06219-a142-4c5f-be55-53f74cb980c7"/>
-    <ds:schemaRef ds:uri="http://schemas.microsoft.com/office/2006/metadata/properties"/>
-    <ds:schemaRef ds:uri="http://www.w3.org/XML/1998/namespace"/>
+    <ds:schemaRef ds:uri="http://schemas.microsoft.com/sharepoint/v3/contenttype/forms"/>
   </ds:schemaRefs>
 </ds:datastoreItem>
 </file>
--- a/Meeting Materials/draft-ietf-ccamp-yang-otn-slicing-02.pptx
+++ b/Meeting Materials/draft-ietf-ccamp-yang-otn-slicing-02.pptx
@@ -5967,7 +5967,15 @@
             <a:pPr lvl="1"/>
             <a:r>
               <a:rPr lang="en-US" dirty="0"/>
-              <a:t>NRP topologies are pushed to subtended MDSC/PNC through the MPI</a:t>
+              <a:t>NRP topologies are </a:t>
+            </a:r>
+            <a:r>
+              <a:rPr lang="en-US"/>
+              <a:t>configured on subtended </a:t>
+            </a:r>
+            <a:r>
+              <a:rPr lang="en-US" dirty="0"/>
+              <a:t>MDSC/PNC through the MPI</a:t>
             </a:r>
           </a:p>
           <a:p>
@@ -7338,14 +7346,6 @@
 </file>
 
 <file path=customXml/item1.xml><?xml version="1.0" encoding="utf-8"?>
-<p:properties xmlns:p="http://schemas.microsoft.com/office/2006/metadata/properties" xmlns:xsi="http://www.w3.org/2001/XMLSchema-instance" xmlns:pc="http://schemas.microsoft.com/office/infopath/2007/PartnerControls">
-  <documentManagement>
-    <HideFromDelve xmlns="71c5aaf6-e6ce-465b-b873-5148d2a4c105">false</HideFromDelve>
-  </documentManagement>
-</p:properties>
-</file>
-
-<file path=customXml/item2.xml><?xml version="1.0" encoding="utf-8"?>
 <ct:contentTypeSchema xmlns:ct="http://schemas.microsoft.com/office/2006/metadata/contentType" xmlns:ma="http://schemas.microsoft.com/office/2006/metadata/properties/metaAttributes" ct:_="" ma:_="" ma:contentTypeName="Document" ma:contentTypeID="0x01010083185B6FD968AC4F8244C98DADFCDDF2" ma:contentTypeVersion="10" ma:contentTypeDescription="Create a new document." ma:contentTypeScope="" ma:versionID="a0a5748a9dac91f93248b2b077c41dd7">
   <xsd:schema xmlns:xsd="http://www.w3.org/2001/XMLSchema" xmlns:xs="http://www.w3.org/2001/XMLSchema" xmlns:p="http://schemas.microsoft.com/office/2006/metadata/properties" xmlns:ns3="71c5aaf6-e6ce-465b-b873-5148d2a4c105" xmlns:ns4="687e87d0-d0a8-4c48-8f94-14f0c67212c5" xmlns:ns5="b4d06219-a142-4c5f-be55-53f74cb980c7" targetNamespace="http://schemas.microsoft.com/office/2006/metadata/properties" ma:root="true" ma:fieldsID="b06f86fc5fa60c034a6b2d88bb81de5b" ns3:_="" ns4:_="" ns5:_="">
     <xsd:import namespace="71c5aaf6-e6ce-465b-b873-5148d2a4c105"/>
@@ -7584,9 +7584,21 @@
 </ct:contentTypeSchema>
 </file>
 
+<file path=customXml/item2.xml><?xml version="1.0" encoding="utf-8"?>
+<p:properties xmlns:p="http://schemas.microsoft.com/office/2006/metadata/properties" xmlns:xsi="http://www.w3.org/2001/XMLSchema-instance" xmlns:pc="http://schemas.microsoft.com/office/infopath/2007/PartnerControls">
+  <documentManagement>
+    <HideFromDelve xmlns="71c5aaf6-e6ce-465b-b873-5148d2a4c105">false</HideFromDelve>
+  </documentManagement>
+</p:properties>
+</file>
+
 <file path=customXml/item3.xml><?xml version="1.0" encoding="utf-8"?>
 <?mso-contentType ?>
-<SharedContentType xmlns="Microsoft.SharePoint.Taxonomy.ContentTypeSync" SourceId="34c87397-5fc1-491e-85e7-d6110dbe9cbd" ContentTypeId="0x0101" PreviousValue="false"/>
+<FormTemplates xmlns="http://schemas.microsoft.com/sharepoint/v3/contenttype/forms">
+  <Display>DocumentLibraryForm</Display>
+  <Edit>DocumentLibraryForm</Edit>
+  <New>DocumentLibraryForm</New>
+</FormTemplates>
 </file>
 
 <file path=customXml/item4.xml><?xml version="1.0" encoding="utf-8"?>
@@ -7596,32 +7608,10 @@
 
 <file path=customXml/item5.xml><?xml version="1.0" encoding="utf-8"?>
 <?mso-contentType ?>
-<FormTemplates xmlns="http://schemas.microsoft.com/sharepoint/v3/contenttype/forms">
-  <Display>DocumentLibraryForm</Display>
-  <Edit>DocumentLibraryForm</Edit>
-  <New>DocumentLibraryForm</New>
-</FormTemplates>
+<SharedContentType xmlns="Microsoft.SharePoint.Taxonomy.ContentTypeSync" SourceId="34c87397-5fc1-491e-85e7-d6110dbe9cbd" ContentTypeId="0x0101" PreviousValue="false"/>
 </file>
 
 <file path=customXml/itemProps1.xml><?xml version="1.0" encoding="utf-8"?>
-<ds:datastoreItem xmlns:ds="http://schemas.openxmlformats.org/officeDocument/2006/customXml" ds:itemID="{D1402BC5-1A46-47E2-B58E-ED5697CD9276}">
-  <ds:schemaRefs>
-    <ds:schemaRef ds:uri="71c5aaf6-e6ce-465b-b873-5148d2a4c105"/>
-    <ds:schemaRef ds:uri="http://purl.org/dc/elements/1.1/"/>
-    <ds:schemaRef ds:uri="http://schemas.openxmlformats.org/package/2006/metadata/core-properties"/>
-    <ds:schemaRef ds:uri="687e87d0-d0a8-4c48-8f94-14f0c67212c5"/>
-    <ds:schemaRef ds:uri="http://schemas.microsoft.com/office/2006/documentManagement/types"/>
-    <ds:schemaRef ds:uri="http://purl.org/dc/terms/"/>
-    <ds:schemaRef ds:uri="http://purl.org/dc/dcmitype/"/>
-    <ds:schemaRef ds:uri="http://schemas.microsoft.com/office/infopath/2007/PartnerControls"/>
-    <ds:schemaRef ds:uri="b4d06219-a142-4c5f-be55-53f74cb980c7"/>
-    <ds:schemaRef ds:uri="http://schemas.microsoft.com/office/2006/metadata/properties"/>
-    <ds:schemaRef ds:uri="http://www.w3.org/XML/1998/namespace"/>
-  </ds:schemaRefs>
-</ds:datastoreItem>
-</file>
-
-<file path=customXml/itemProps2.xml><?xml version="1.0" encoding="utf-8"?>
 <ds:datastoreItem xmlns:ds="http://schemas.openxmlformats.org/officeDocument/2006/customXml" ds:itemID="{334975F1-7A16-4F7E-84AE-F419563FD202}">
   <ds:schemaRefs>
     <ds:schemaRef ds:uri="http://schemas.microsoft.com/office/2006/metadata/contentType"/>
@@ -7641,10 +7631,28 @@
 </ds:datastoreItem>
 </file>
 
+<file path=customXml/itemProps2.xml><?xml version="1.0" encoding="utf-8"?>
+<ds:datastoreItem xmlns:ds="http://schemas.openxmlformats.org/officeDocument/2006/customXml" ds:itemID="{D1402BC5-1A46-47E2-B58E-ED5697CD9276}">
+  <ds:schemaRefs>
+    <ds:schemaRef ds:uri="71c5aaf6-e6ce-465b-b873-5148d2a4c105"/>
+    <ds:schemaRef ds:uri="http://purl.org/dc/elements/1.1/"/>
+    <ds:schemaRef ds:uri="http://schemas.openxmlformats.org/package/2006/metadata/core-properties"/>
+    <ds:schemaRef ds:uri="687e87d0-d0a8-4c48-8f94-14f0c67212c5"/>
+    <ds:schemaRef ds:uri="http://schemas.microsoft.com/office/2006/documentManagement/types"/>
+    <ds:schemaRef ds:uri="http://purl.org/dc/terms/"/>
+    <ds:schemaRef ds:uri="http://purl.org/dc/dcmitype/"/>
+    <ds:schemaRef ds:uri="http://schemas.microsoft.com/office/infopath/2007/PartnerControls"/>
+    <ds:schemaRef ds:uri="b4d06219-a142-4c5f-be55-53f74cb980c7"/>
+    <ds:schemaRef ds:uri="http://schemas.microsoft.com/office/2006/metadata/properties"/>
+    <ds:schemaRef ds:uri="http://www.w3.org/XML/1998/namespace"/>
+  </ds:schemaRefs>
+</ds:datastoreItem>
+</file>
+
 <file path=customXml/itemProps3.xml><?xml version="1.0" encoding="utf-8"?>
-<ds:datastoreItem xmlns:ds="http://schemas.openxmlformats.org/officeDocument/2006/customXml" ds:itemID="{68412ECC-D61E-4B23-B7FF-722505864B65}">
+<ds:datastoreItem xmlns:ds="http://schemas.openxmlformats.org/officeDocument/2006/customXml" ds:itemID="{FFF5BEF5-BF1F-44F4-AFBC-1295B944FD55}">
   <ds:schemaRefs>
-    <ds:schemaRef ds:uri="Microsoft.SharePoint.Taxonomy.ContentTypeSync"/>
+    <ds:schemaRef ds:uri="http://schemas.microsoft.com/sharepoint/v3/contenttype/forms"/>
   </ds:schemaRefs>
 </ds:datastoreItem>
 </file>
@@ -7658,9 +7666,9 @@
 </file>
 
 <file path=customXml/itemProps5.xml><?xml version="1.0" encoding="utf-8"?>
-<ds:datastoreItem xmlns:ds="http://schemas.openxmlformats.org/officeDocument/2006/customXml" ds:itemID="{FFF5BEF5-BF1F-44F4-AFBC-1295B944FD55}">
+<ds:datastoreItem xmlns:ds="http://schemas.openxmlformats.org/officeDocument/2006/customXml" ds:itemID="{68412ECC-D61E-4B23-B7FF-722505864B65}">
   <ds:schemaRefs>
-    <ds:schemaRef ds:uri="http://schemas.microsoft.com/sharepoint/v3/contenttype/forms"/>
+    <ds:schemaRef ds:uri="Microsoft.SharePoint.Taxonomy.ContentTypeSync"/>
   </ds:schemaRefs>
 </ds:datastoreItem>
 </file>
--- a/Meeting Materials/draft-ietf-ccamp-yang-otn-slicing-02.pptx
+++ b/Meeting Materials/draft-ietf-ccamp-yang-otn-slicing-02.pptx
@@ -134,6 +134,18 @@
 </p:presentation>
 </file>
 
+<file path=ppt/commentAuthors.xml><?xml version="1.0" encoding="utf-8"?>
+<p:cmAuthorLst xmlns:a="http://schemas.openxmlformats.org/drawingml/2006/main" xmlns:r="http://schemas.openxmlformats.org/officeDocument/2006/relationships" xmlns:p="http://schemas.openxmlformats.org/presentationml/2006/main">
+  <p:cmAuthor id="1" name="Belotti, Sergio (Nokia - IT/Vimercate)" initials="BS(I" lastIdx="6" clrIdx="0">
+    <p:extLst>
+      <p:ext uri="{19B8F6BF-5375-455C-9EA6-DF929625EA0E}">
+        <p15:presenceInfo xmlns:p15="http://schemas.microsoft.com/office/powerpoint/2012/main" userId="S::sergio.belotti@nokia.com::1405c469-425d-44df-9775-7098fb1a68f6" providerId="AD"/>
+      </p:ext>
+    </p:extLst>
+  </p:cmAuthor>
+</p:cmAuthorLst>
+</file>
+
 <file path=ppt/notesMasters/notesMaster1.xml><?xml version="1.0" encoding="utf-8"?>
 <p:notesMaster xmlns:a="http://schemas.openxmlformats.org/drawingml/2006/main" xmlns:r="http://schemas.openxmlformats.org/officeDocument/2006/relationships" xmlns:p="http://schemas.openxmlformats.org/presentationml/2006/main">
   <p:cSld>
@@ -216,7 +228,7 @@
           <a:p>
             <a:fld id="{59711742-25F0-43F6-882D-B8403339F2D1}" type="datetimeFigureOut">
               <a:rPr lang="en-US" smtClean="0"/>
-              <a:t>7/20/2022</a:t>
+              <a:t>7/21/2022</a:t>
             </a:fld>
             <a:endParaRPr lang="en-US"/>
           </a:p>
@@ -1218,7 +1230,7 @@
           <a:p>
             <a:fld id="{11EADF87-7BA1-4934-894F-828C76552A18}" type="datetime1">
               <a:rPr lang="en-US" smtClean="0"/>
-              <a:t>7/20/2022</a:t>
+              <a:t>7/21/2022</a:t>
             </a:fld>
             <a:endParaRPr lang="en-US"/>
           </a:p>
@@ -1419,7 +1431,7 @@
           <a:p>
             <a:fld id="{85D92055-2432-4DF3-97D9-9AAC5D502BA1}" type="datetime1">
               <a:rPr lang="en-US" smtClean="0"/>
-              <a:t>7/20/2022</a:t>
+              <a:t>7/21/2022</a:t>
             </a:fld>
             <a:endParaRPr lang="en-US"/>
           </a:p>
@@ -1630,7 +1642,7 @@
           <a:p>
             <a:fld id="{9982AC4B-3F7F-442E-97CB-3FE75166B923}" type="datetime1">
               <a:rPr lang="en-US" smtClean="0"/>
-              <a:t>7/20/2022</a:t>
+              <a:t>7/21/2022</a:t>
             </a:fld>
             <a:endParaRPr lang="en-US"/>
           </a:p>
@@ -1831,7 +1843,7 @@
           <a:p>
             <a:fld id="{86764C34-DC39-41C4-8B6A-5EA7B47F74F1}" type="datetime1">
               <a:rPr lang="en-US" smtClean="0"/>
-              <a:t>7/20/2022</a:t>
+              <a:t>7/21/2022</a:t>
             </a:fld>
             <a:endParaRPr lang="en-US"/>
           </a:p>
@@ -2109,7 +2121,7 @@
           <a:p>
             <a:fld id="{9AD06E72-0C8D-44B3-AA53-2FB152485C62}" type="datetime1">
               <a:rPr lang="en-US" smtClean="0"/>
-              <a:t>7/20/2022</a:t>
+              <a:t>7/21/2022</a:t>
             </a:fld>
             <a:endParaRPr lang="en-US"/>
           </a:p>
@@ -2377,7 +2389,7 @@
           <a:p>
             <a:fld id="{66188E82-78A8-432F-A905-64D37DCF7108}" type="datetime1">
               <a:rPr lang="en-US" smtClean="0"/>
-              <a:t>7/20/2022</a:t>
+              <a:t>7/21/2022</a:t>
             </a:fld>
             <a:endParaRPr lang="en-US"/>
           </a:p>
@@ -2792,7 +2804,7 @@
           <a:p>
             <a:fld id="{4F6C27C5-5812-4AB4-AA99-BFA1A6532403}" type="datetime1">
               <a:rPr lang="en-US" smtClean="0"/>
-              <a:t>7/20/2022</a:t>
+              <a:t>7/21/2022</a:t>
             </a:fld>
             <a:endParaRPr lang="en-US"/>
           </a:p>
@@ -2936,7 +2948,7 @@
           <a:p>
             <a:fld id="{01E17CC1-43C0-45B8-AB30-B4F1979189AC}" type="datetime1">
               <a:rPr lang="en-US" smtClean="0"/>
-              <a:t>7/20/2022</a:t>
+              <a:t>7/21/2022</a:t>
             </a:fld>
             <a:endParaRPr lang="en-US"/>
           </a:p>
@@ -3052,7 +3064,7 @@
           <a:p>
             <a:fld id="{86720E5C-818F-46A2-A674-ACF0EF433E2C}" type="datetime1">
               <a:rPr lang="en-US" smtClean="0"/>
-              <a:t>7/20/2022</a:t>
+              <a:t>7/21/2022</a:t>
             </a:fld>
             <a:endParaRPr lang="en-US"/>
           </a:p>
@@ -3366,7 +3378,7 @@
           <a:p>
             <a:fld id="{3BF26B5B-FDE8-4DDB-82A7-BEF41002D93B}" type="datetime1">
               <a:rPr lang="en-US" smtClean="0"/>
-              <a:t>7/20/2022</a:t>
+              <a:t>7/21/2022</a:t>
             </a:fld>
             <a:endParaRPr lang="en-US"/>
           </a:p>
@@ -3657,7 +3669,7 @@
           <a:p>
             <a:fld id="{5CC07EE6-18E8-48EE-9715-5838292A3776}" type="datetime1">
               <a:rPr lang="en-US" smtClean="0"/>
-              <a:t>7/20/2022</a:t>
+              <a:t>7/21/2022</a:t>
             </a:fld>
             <a:endParaRPr lang="en-US"/>
           </a:p>
@@ -3901,7 +3913,7 @@
           <a:p>
             <a:fld id="{9025BCED-13F6-41CB-8B3C-875C16F6C384}" type="datetime1">
               <a:rPr lang="en-US" smtClean="0"/>
-              <a:t>7/20/2022</a:t>
+              <a:t>7/21/2022</a:t>
             </a:fld>
             <a:endParaRPr lang="en-US"/>
           </a:p>
@@ -5015,16 +5027,16 @@
           <a:p>
             <a:pPr lvl="1"/>
             <a:r>
+              <a:rPr lang="en-US" sz="2000" dirty="0">
+                <a:solidFill>
+                  <a:srgbClr val="FF0000"/>
+                </a:solidFill>
+              </a:rPr>
+              <a:t>NBI:</a:t>
+            </a:r>
+            <a:r>
               <a:rPr lang="en-US" sz="2000" dirty="0"/>
-              <a:t>Rebased </a:t>
-            </a:r>
-            <a:r>
-              <a:rPr lang="en-US" sz="2000" dirty="0" err="1"/>
-              <a:t>ietf</a:t>
-            </a:r>
-            <a:r>
-              <a:rPr lang="en-US" sz="2000" dirty="0"/>
-              <a:t>-transport-network-</a:t>
+              <a:t> Updated ietf-transport-network-</a:t>
             </a:r>
             <a:r>
               <a:rPr lang="en-US" sz="2000" dirty="0" err="1"/>
@@ -5038,16 +5050,16 @@
           <a:p>
             <a:pPr lvl="1"/>
             <a:r>
+              <a:rPr lang="en-US" sz="2000" dirty="0">
+                <a:solidFill>
+                  <a:srgbClr val="FF0000"/>
+                </a:solidFill>
+              </a:rPr>
+              <a:t>MPI</a:t>
+            </a:r>
+            <a:r>
               <a:rPr lang="en-US" sz="2000" dirty="0"/>
-              <a:t>Renamed “</a:t>
-            </a:r>
-            <a:r>
-              <a:rPr lang="en-US" sz="2000" dirty="0" err="1"/>
-              <a:t>ietf</a:t>
-            </a:r>
-            <a:r>
-              <a:rPr lang="en-US" sz="2000" dirty="0"/>
-              <a:t>-</a:t>
+              <a:t>: Renamed “ietf-</a:t>
             </a:r>
             <a:r>
               <a:rPr lang="en-US" sz="2000" dirty="0" err="1"/>
@@ -5055,15 +5067,7 @@
             </a:r>
             <a:r>
               <a:rPr lang="en-US" sz="2000" dirty="0"/>
-              <a:t>-slice” to “</a:t>
-            </a:r>
-            <a:r>
-              <a:rPr lang="en-US" sz="2000" dirty="0" err="1"/>
-              <a:t>ietf</a:t>
-            </a:r>
-            <a:r>
-              <a:rPr lang="en-US" sz="2000" dirty="0"/>
-              <a:t>-</a:t>
+              <a:t>-slice” to “ietf-</a:t>
             </a:r>
             <a:r>
               <a:rPr lang="en-US" sz="2000" dirty="0" err="1"/>
@@ -5116,300 +5120,6 @@
           <a:p>
             <a:pPr lvl="1"/>
             <a:endParaRPr lang="en-US" sz="2000" dirty="0"/>
-          </a:p>
-        </p:txBody>
-      </p:sp>
-      <p:sp>
-        <p:nvSpPr>
-          <p:cNvPr id="5" name="TextBox 4">
-            <a:extLst>
-              <a:ext uri="{FF2B5EF4-FFF2-40B4-BE49-F238E27FC236}">
-                <a16:creationId xmlns:a16="http://schemas.microsoft.com/office/drawing/2014/main" id="{B5CF651C-7AA2-7465-9B1E-8963924829AD}"/>
-              </a:ext>
-            </a:extLst>
-          </p:cNvPr>
-          <p:cNvSpPr txBox="1"/>
-          <p:nvPr/>
-        </p:nvSpPr>
-        <p:spPr>
-          <a:xfrm>
-            <a:off x="8557806" y="5321365"/>
-            <a:ext cx="2574524" cy="338554"/>
-          </a:xfrm>
-          <a:prstGeom prst="rect">
-            <a:avLst/>
-          </a:prstGeom>
-          <a:noFill/>
-          <a:ln>
-            <a:solidFill>
-              <a:srgbClr val="002060"/>
-            </a:solidFill>
-          </a:ln>
-        </p:spPr>
-        <p:txBody>
-          <a:bodyPr wrap="square" rtlCol="0">
-            <a:spAutoFit/>
-          </a:bodyPr>
-          <a:lstStyle/>
-          <a:p>
-            <a:pPr algn="ctr"/>
-            <a:r>
-              <a:rPr lang="en-US" sz="1600" dirty="0" err="1"/>
-              <a:t>ietf</a:t>
-            </a:r>
-            <a:r>
-              <a:rPr lang="en-US" sz="1600" dirty="0"/>
-              <a:t>-network-slice-service</a:t>
-            </a:r>
-          </a:p>
-        </p:txBody>
-      </p:sp>
-      <p:sp>
-        <p:nvSpPr>
-          <p:cNvPr id="6" name="TextBox 5">
-            <a:extLst>
-              <a:ext uri="{FF2B5EF4-FFF2-40B4-BE49-F238E27FC236}">
-                <a16:creationId xmlns:a16="http://schemas.microsoft.com/office/drawing/2014/main" id="{019E191A-F555-18E5-87B9-1CF568F89D4E}"/>
-              </a:ext>
-            </a:extLst>
-          </p:cNvPr>
-          <p:cNvSpPr txBox="1"/>
-          <p:nvPr/>
-        </p:nvSpPr>
-        <p:spPr>
-          <a:xfrm>
-            <a:off x="8557806" y="4471358"/>
-            <a:ext cx="2574524" cy="338554"/>
-          </a:xfrm>
-          <a:prstGeom prst="rect">
-            <a:avLst/>
-          </a:prstGeom>
-          <a:noFill/>
-          <a:ln>
-            <a:solidFill>
-              <a:srgbClr val="002060"/>
-            </a:solidFill>
-          </a:ln>
-        </p:spPr>
-        <p:txBody>
-          <a:bodyPr wrap="square" rtlCol="0">
-            <a:spAutoFit/>
-          </a:bodyPr>
-          <a:lstStyle/>
-          <a:p>
-            <a:pPr algn="ctr"/>
-            <a:r>
-              <a:rPr lang="en-US" sz="1600" dirty="0" err="1"/>
-              <a:t>ietf</a:t>
-            </a:r>
-            <a:r>
-              <a:rPr lang="en-US" sz="1600" dirty="0"/>
-              <a:t>-transport-network-slice</a:t>
-            </a:r>
-          </a:p>
-        </p:txBody>
-      </p:sp>
-      <p:sp>
-        <p:nvSpPr>
-          <p:cNvPr id="7" name="TextBox 6">
-            <a:extLst>
-              <a:ext uri="{FF2B5EF4-FFF2-40B4-BE49-F238E27FC236}">
-                <a16:creationId xmlns:a16="http://schemas.microsoft.com/office/drawing/2014/main" id="{C8030AF9-AFF8-5086-678B-CBD8899DCFF0}"/>
-              </a:ext>
-            </a:extLst>
-          </p:cNvPr>
-          <p:cNvSpPr txBox="1"/>
-          <p:nvPr/>
-        </p:nvSpPr>
-        <p:spPr>
-          <a:xfrm>
-            <a:off x="8557806" y="3621352"/>
-            <a:ext cx="2574524" cy="338554"/>
-          </a:xfrm>
-          <a:prstGeom prst="rect">
-            <a:avLst/>
-          </a:prstGeom>
-          <a:noFill/>
-          <a:ln>
-            <a:solidFill>
-              <a:srgbClr val="002060"/>
-            </a:solidFill>
-          </a:ln>
-        </p:spPr>
-        <p:txBody>
-          <a:bodyPr wrap="square" rtlCol="0">
-            <a:spAutoFit/>
-          </a:bodyPr>
-          <a:lstStyle/>
-          <a:p>
-            <a:pPr algn="ctr"/>
-            <a:r>
-              <a:rPr lang="en-US" sz="1600" dirty="0" err="1"/>
-              <a:t>ietf</a:t>
-            </a:r>
-            <a:r>
-              <a:rPr lang="en-US" sz="1600" dirty="0"/>
-              <a:t>-</a:t>
-            </a:r>
-            <a:r>
-              <a:rPr lang="en-US" sz="1600" dirty="0" err="1"/>
-              <a:t>otn</a:t>
-            </a:r>
-            <a:r>
-              <a:rPr lang="en-US" sz="1600" dirty="0"/>
-              <a:t>-slice</a:t>
-            </a:r>
-          </a:p>
-        </p:txBody>
-      </p:sp>
-      <p:cxnSp>
-        <p:nvCxnSpPr>
-          <p:cNvPr id="9" name="Straight Arrow Connector 8">
-            <a:extLst>
-              <a:ext uri="{FF2B5EF4-FFF2-40B4-BE49-F238E27FC236}">
-                <a16:creationId xmlns:a16="http://schemas.microsoft.com/office/drawing/2014/main" id="{619F5A23-FEEB-48D7-5AC5-3DE656CC37D4}"/>
-              </a:ext>
-            </a:extLst>
-          </p:cNvPr>
-          <p:cNvCxnSpPr>
-            <a:stCxn id="5" idx="0"/>
-            <a:endCxn id="6" idx="2"/>
-          </p:cNvCxnSpPr>
-          <p:nvPr/>
-        </p:nvCxnSpPr>
-        <p:spPr>
-          <a:xfrm flipV="1">
-            <a:off x="9845068" y="4809912"/>
-            <a:ext cx="0" cy="511453"/>
-          </a:xfrm>
-          <a:prstGeom prst="straightConnector1">
-            <a:avLst/>
-          </a:prstGeom>
-          <a:ln>
-            <a:tailEnd type="triangle"/>
-          </a:ln>
-        </p:spPr>
-        <p:style>
-          <a:lnRef idx="3">
-            <a:schemeClr val="dk1"/>
-          </a:lnRef>
-          <a:fillRef idx="0">
-            <a:schemeClr val="dk1"/>
-          </a:fillRef>
-          <a:effectRef idx="2">
-            <a:schemeClr val="dk1"/>
-          </a:effectRef>
-          <a:fontRef idx="minor">
-            <a:schemeClr val="tx1"/>
-          </a:fontRef>
-        </p:style>
-      </p:cxnSp>
-      <p:sp>
-        <p:nvSpPr>
-          <p:cNvPr id="10" name="TextBox 9">
-            <a:extLst>
-              <a:ext uri="{FF2B5EF4-FFF2-40B4-BE49-F238E27FC236}">
-                <a16:creationId xmlns:a16="http://schemas.microsoft.com/office/drawing/2014/main" id="{A9A7F84E-90C2-DBC8-1ABC-8921FBAA31FB}"/>
-              </a:ext>
-            </a:extLst>
-          </p:cNvPr>
-          <p:cNvSpPr txBox="1"/>
-          <p:nvPr/>
-        </p:nvSpPr>
-        <p:spPr>
-          <a:xfrm>
-            <a:off x="9845068" y="4902860"/>
-            <a:ext cx="802014" cy="276999"/>
-          </a:xfrm>
-          <a:prstGeom prst="rect">
-            <a:avLst/>
-          </a:prstGeom>
-          <a:noFill/>
-        </p:spPr>
-        <p:txBody>
-          <a:bodyPr wrap="none" rtlCol="0">
-            <a:spAutoFit/>
-          </a:bodyPr>
-          <a:lstStyle/>
-          <a:p>
-            <a:r>
-              <a:rPr lang="en-US" sz="1200" dirty="0"/>
-              <a:t>augments</a:t>
-            </a:r>
-          </a:p>
-        </p:txBody>
-      </p:sp>
-      <p:cxnSp>
-        <p:nvCxnSpPr>
-          <p:cNvPr id="11" name="Straight Arrow Connector 10">
-            <a:extLst>
-              <a:ext uri="{FF2B5EF4-FFF2-40B4-BE49-F238E27FC236}">
-                <a16:creationId xmlns:a16="http://schemas.microsoft.com/office/drawing/2014/main" id="{4C9B4D65-C4A8-EBBC-5878-36A607F755BD}"/>
-              </a:ext>
-            </a:extLst>
-          </p:cNvPr>
-          <p:cNvCxnSpPr/>
-          <p:nvPr/>
-        </p:nvCxnSpPr>
-        <p:spPr>
-          <a:xfrm flipV="1">
-            <a:off x="9845068" y="3959905"/>
-            <a:ext cx="0" cy="511453"/>
-          </a:xfrm>
-          <a:prstGeom prst="straightConnector1">
-            <a:avLst/>
-          </a:prstGeom>
-          <a:ln>
-            <a:tailEnd type="triangle"/>
-          </a:ln>
-        </p:spPr>
-        <p:style>
-          <a:lnRef idx="3">
-            <a:schemeClr val="dk1"/>
-          </a:lnRef>
-          <a:fillRef idx="0">
-            <a:schemeClr val="dk1"/>
-          </a:fillRef>
-          <a:effectRef idx="2">
-            <a:schemeClr val="dk1"/>
-          </a:effectRef>
-          <a:fontRef idx="minor">
-            <a:schemeClr val="tx1"/>
-          </a:fontRef>
-        </p:style>
-      </p:cxnSp>
-      <p:sp>
-        <p:nvSpPr>
-          <p:cNvPr id="12" name="TextBox 11">
-            <a:extLst>
-              <a:ext uri="{FF2B5EF4-FFF2-40B4-BE49-F238E27FC236}">
-                <a16:creationId xmlns:a16="http://schemas.microsoft.com/office/drawing/2014/main" id="{C7F40AA3-851F-B34D-8DAB-E3A002DA057F}"/>
-              </a:ext>
-            </a:extLst>
-          </p:cNvPr>
-          <p:cNvSpPr txBox="1"/>
-          <p:nvPr/>
-        </p:nvSpPr>
-        <p:spPr>
-          <a:xfrm>
-            <a:off x="9845068" y="4052853"/>
-            <a:ext cx="802014" cy="276999"/>
-          </a:xfrm>
-          <a:prstGeom prst="rect">
-            <a:avLst/>
-          </a:prstGeom>
-          <a:noFill/>
-        </p:spPr>
-        <p:txBody>
-          <a:bodyPr wrap="none" rtlCol="0">
-            <a:spAutoFit/>
-          </a:bodyPr>
-          <a:lstStyle/>
-          <a:p>
-            <a:r>
-              <a:rPr lang="en-US" sz="1200" dirty="0"/>
-              <a:t>augments</a:t>
-            </a:r>
           </a:p>
         </p:txBody>
       </p:sp>
@@ -5472,220 +5182,574 @@
           </a:p>
         </p:txBody>
       </p:sp>
-      <p:sp>
-        <p:nvSpPr>
-          <p:cNvPr id="16" name="TextBox 15">
-            <a:extLst>
-              <a:ext uri="{FF2B5EF4-FFF2-40B4-BE49-F238E27FC236}">
-                <a16:creationId xmlns:a16="http://schemas.microsoft.com/office/drawing/2014/main" id="{89B8D0EF-30FC-4BD3-223E-4CB8AD7FD2E6}"/>
-              </a:ext>
-            </a:extLst>
-          </p:cNvPr>
-          <p:cNvSpPr txBox="1"/>
+      <p:grpSp>
+        <p:nvGrpSpPr>
+          <p:cNvPr id="8" name="Group 7">
+            <a:extLst>
+              <a:ext uri="{FF2B5EF4-FFF2-40B4-BE49-F238E27FC236}">
+                <a16:creationId xmlns:a16="http://schemas.microsoft.com/office/drawing/2014/main" id="{6BF3EED4-7EC2-AA2B-8651-F4726158B7CE}"/>
+              </a:ext>
+            </a:extLst>
+          </p:cNvPr>
+          <p:cNvGrpSpPr/>
           <p:nvPr/>
-        </p:nvSpPr>
-        <p:spPr>
+        </p:nvGrpSpPr>
+        <p:grpSpPr>
           <a:xfrm>
-            <a:off x="11353799" y="4077131"/>
-            <a:ext cx="772134" cy="276999"/>
+            <a:off x="8342049" y="3621352"/>
+            <a:ext cx="3722926" cy="2654120"/>
+            <a:chOff x="8557806" y="3621352"/>
+            <a:chExt cx="3722926" cy="2654120"/>
           </a:xfrm>
-          <a:prstGeom prst="rect">
-            <a:avLst/>
-          </a:prstGeom>
-          <a:noFill/>
-          <a:ln>
+        </p:grpSpPr>
+        <p:sp>
+          <p:nvSpPr>
+            <p:cNvPr id="5" name="TextBox 4">
+              <a:extLst>
+                <a:ext uri="{FF2B5EF4-FFF2-40B4-BE49-F238E27FC236}">
+                  <a16:creationId xmlns:a16="http://schemas.microsoft.com/office/drawing/2014/main" id="{B5CF651C-7AA2-7465-9B1E-8963924829AD}"/>
+                </a:ext>
+              </a:extLst>
+            </p:cNvPr>
+            <p:cNvSpPr txBox="1"/>
+            <p:nvPr/>
+          </p:nvSpPr>
+          <p:spPr>
+            <a:xfrm>
+              <a:off x="8557806" y="5321365"/>
+              <a:ext cx="2574524" cy="338554"/>
+            </a:xfrm>
+            <a:prstGeom prst="rect">
+              <a:avLst/>
+            </a:prstGeom>
             <a:noFill/>
-          </a:ln>
-        </p:spPr>
-        <p:txBody>
-          <a:bodyPr wrap="none" rtlCol="0">
-            <a:spAutoFit/>
-          </a:bodyPr>
-          <a:lstStyle/>
-          <a:p>
-            <a:r>
-              <a:rPr lang="en-US" sz="1200" dirty="0"/>
-              <a:t>This draft</a:t>
-            </a:r>
-          </a:p>
-        </p:txBody>
-      </p:sp>
-      <p:cxnSp>
-        <p:nvCxnSpPr>
-          <p:cNvPr id="18" name="Straight Arrow Connector 17">
-            <a:extLst>
-              <a:ext uri="{FF2B5EF4-FFF2-40B4-BE49-F238E27FC236}">
-                <a16:creationId xmlns:a16="http://schemas.microsoft.com/office/drawing/2014/main" id="{0F5AC4F6-555E-1583-4325-529736453A60}"/>
-              </a:ext>
-            </a:extLst>
-          </p:cNvPr>
-          <p:cNvCxnSpPr>
-            <a:stCxn id="16" idx="0"/>
-          </p:cNvCxnSpPr>
-          <p:nvPr/>
-        </p:nvCxnSpPr>
-        <p:spPr>
-          <a:xfrm flipH="1" flipV="1">
-            <a:off x="11230252" y="3852909"/>
-            <a:ext cx="509614" cy="224222"/>
-          </a:xfrm>
-          <a:prstGeom prst="straightConnector1">
-            <a:avLst/>
-          </a:prstGeom>
-          <a:ln>
-            <a:tailEnd type="triangle"/>
-          </a:ln>
-        </p:spPr>
-        <p:style>
-          <a:lnRef idx="1">
-            <a:schemeClr val="accent1"/>
-          </a:lnRef>
-          <a:fillRef idx="0">
-            <a:schemeClr val="accent1"/>
-          </a:fillRef>
-          <a:effectRef idx="0">
-            <a:schemeClr val="accent1"/>
-          </a:effectRef>
-          <a:fontRef idx="minor">
-            <a:schemeClr val="tx1"/>
-          </a:fontRef>
-        </p:style>
-      </p:cxnSp>
-      <p:cxnSp>
-        <p:nvCxnSpPr>
-          <p:cNvPr id="19" name="Straight Arrow Connector 18">
-            <a:extLst>
-              <a:ext uri="{FF2B5EF4-FFF2-40B4-BE49-F238E27FC236}">
-                <a16:creationId xmlns:a16="http://schemas.microsoft.com/office/drawing/2014/main" id="{13AEB0BF-B70F-9ECB-91F6-0A64AC7D8B5A}"/>
-              </a:ext>
-            </a:extLst>
-          </p:cNvPr>
-          <p:cNvCxnSpPr>
-            <a:cxnSpLocks/>
-            <a:stCxn id="16" idx="2"/>
-          </p:cNvCxnSpPr>
-          <p:nvPr/>
-        </p:nvCxnSpPr>
-        <p:spPr>
-          <a:xfrm flipH="1">
-            <a:off x="11315307" y="4354130"/>
-            <a:ext cx="424559" cy="286505"/>
-          </a:xfrm>
-          <a:prstGeom prst="straightConnector1">
-            <a:avLst/>
-          </a:prstGeom>
-          <a:ln>
-            <a:tailEnd type="triangle"/>
-          </a:ln>
-        </p:spPr>
-        <p:style>
-          <a:lnRef idx="1">
-            <a:schemeClr val="accent1"/>
-          </a:lnRef>
-          <a:fillRef idx="0">
-            <a:schemeClr val="accent1"/>
-          </a:fillRef>
-          <a:effectRef idx="0">
-            <a:schemeClr val="accent1"/>
-          </a:effectRef>
-          <a:fontRef idx="minor">
-            <a:schemeClr val="tx1"/>
-          </a:fontRef>
-        </p:style>
-      </p:cxnSp>
-      <p:sp>
-        <p:nvSpPr>
-          <p:cNvPr id="22" name="TextBox 21">
-            <a:extLst>
-              <a:ext uri="{FF2B5EF4-FFF2-40B4-BE49-F238E27FC236}">
-                <a16:creationId xmlns:a16="http://schemas.microsoft.com/office/drawing/2014/main" id="{AF923379-E65E-0EC6-C9A3-D1C2BEF82B36}"/>
-              </a:ext>
-            </a:extLst>
-          </p:cNvPr>
-          <p:cNvSpPr txBox="1"/>
-          <p:nvPr/>
-        </p:nvSpPr>
-        <p:spPr>
-          <a:xfrm>
-            <a:off x="11442531" y="5075143"/>
-            <a:ext cx="838201" cy="830997"/>
-          </a:xfrm>
-          <a:prstGeom prst="rect">
-            <a:avLst/>
-          </a:prstGeom>
-          <a:noFill/>
-          <a:ln>
+            <a:ln>
+              <a:solidFill>
+                <a:srgbClr val="002060"/>
+              </a:solidFill>
+            </a:ln>
+          </p:spPr>
+          <p:txBody>
+            <a:bodyPr wrap="square" rtlCol="0">
+              <a:spAutoFit/>
+            </a:bodyPr>
+            <a:lstStyle/>
+            <a:p>
+              <a:pPr algn="ctr"/>
+              <a:r>
+                <a:rPr lang="en-US" sz="1600" dirty="0" err="1"/>
+                <a:t>ietf</a:t>
+              </a:r>
+              <a:r>
+                <a:rPr lang="en-US" sz="1600" dirty="0"/>
+                <a:t>-network-slice-service</a:t>
+              </a:r>
+            </a:p>
+          </p:txBody>
+        </p:sp>
+        <p:sp>
+          <p:nvSpPr>
+            <p:cNvPr id="6" name="TextBox 5">
+              <a:extLst>
+                <a:ext uri="{FF2B5EF4-FFF2-40B4-BE49-F238E27FC236}">
+                  <a16:creationId xmlns:a16="http://schemas.microsoft.com/office/drawing/2014/main" id="{019E191A-F555-18E5-87B9-1CF568F89D4E}"/>
+                </a:ext>
+              </a:extLst>
+            </p:cNvPr>
+            <p:cNvSpPr txBox="1"/>
+            <p:nvPr/>
+          </p:nvSpPr>
+          <p:spPr>
+            <a:xfrm>
+              <a:off x="8557806" y="4471358"/>
+              <a:ext cx="2574524" cy="338554"/>
+            </a:xfrm>
+            <a:prstGeom prst="rect">
+              <a:avLst/>
+            </a:prstGeom>
             <a:noFill/>
-          </a:ln>
-        </p:spPr>
-        <p:txBody>
-          <a:bodyPr wrap="square" rtlCol="0">
-            <a:spAutoFit/>
-          </a:bodyPr>
-          <a:lstStyle/>
-          <a:p>
-            <a:r>
-              <a:rPr lang="en-US" sz="1200" dirty="0"/>
-              <a:t>draft-</a:t>
-            </a:r>
-            <a:r>
-              <a:rPr lang="en-US" sz="1200" dirty="0" err="1"/>
-              <a:t>ietf</a:t>
-            </a:r>
-            <a:r>
-              <a:rPr lang="en-US" sz="1200" dirty="0"/>
-              <a:t>-teas-network-slice-</a:t>
-            </a:r>
-            <a:r>
-              <a:rPr lang="en-US" sz="1200" dirty="0" err="1"/>
-              <a:t>nbi</a:t>
-            </a:r>
-            <a:endParaRPr lang="en-US" sz="1200" dirty="0"/>
-          </a:p>
-        </p:txBody>
-      </p:sp>
-      <p:cxnSp>
-        <p:nvCxnSpPr>
-          <p:cNvPr id="23" name="Straight Arrow Connector 22">
-            <a:extLst>
-              <a:ext uri="{FF2B5EF4-FFF2-40B4-BE49-F238E27FC236}">
-                <a16:creationId xmlns:a16="http://schemas.microsoft.com/office/drawing/2014/main" id="{AE84816A-9C56-E1DE-E5E5-15F0BFE8367D}"/>
-              </a:ext>
-            </a:extLst>
-          </p:cNvPr>
-          <p:cNvCxnSpPr>
-            <a:cxnSpLocks/>
-            <a:endCxn id="5" idx="3"/>
-          </p:cNvCxnSpPr>
-          <p:nvPr/>
-        </p:nvCxnSpPr>
-        <p:spPr>
-          <a:xfrm flipH="1">
-            <a:off x="11132330" y="5490642"/>
-            <a:ext cx="310201" cy="0"/>
-          </a:xfrm>
-          <a:prstGeom prst="straightConnector1">
-            <a:avLst/>
-          </a:prstGeom>
-          <a:ln>
-            <a:tailEnd type="triangle"/>
-          </a:ln>
-        </p:spPr>
-        <p:style>
-          <a:lnRef idx="1">
-            <a:schemeClr val="accent1"/>
-          </a:lnRef>
-          <a:fillRef idx="0">
-            <a:schemeClr val="accent1"/>
-          </a:fillRef>
-          <a:effectRef idx="0">
-            <a:schemeClr val="accent1"/>
-          </a:effectRef>
-          <a:fontRef idx="minor">
-            <a:schemeClr val="tx1"/>
-          </a:fontRef>
-        </p:style>
-      </p:cxnSp>
+            <a:ln>
+              <a:solidFill>
+                <a:srgbClr val="002060"/>
+              </a:solidFill>
+            </a:ln>
+          </p:spPr>
+          <p:txBody>
+            <a:bodyPr wrap="square" rtlCol="0">
+              <a:spAutoFit/>
+            </a:bodyPr>
+            <a:lstStyle/>
+            <a:p>
+              <a:pPr algn="ctr"/>
+              <a:r>
+                <a:rPr lang="en-US" sz="1600" dirty="0" err="1"/>
+                <a:t>ietf</a:t>
+              </a:r>
+              <a:r>
+                <a:rPr lang="en-US" sz="1600" dirty="0"/>
+                <a:t>-transport-network-slice</a:t>
+              </a:r>
+            </a:p>
+          </p:txBody>
+        </p:sp>
+        <p:sp>
+          <p:nvSpPr>
+            <p:cNvPr id="7" name="TextBox 6">
+              <a:extLst>
+                <a:ext uri="{FF2B5EF4-FFF2-40B4-BE49-F238E27FC236}">
+                  <a16:creationId xmlns:a16="http://schemas.microsoft.com/office/drawing/2014/main" id="{C8030AF9-AFF8-5086-678B-CBD8899DCFF0}"/>
+                </a:ext>
+              </a:extLst>
+            </p:cNvPr>
+            <p:cNvSpPr txBox="1"/>
+            <p:nvPr/>
+          </p:nvSpPr>
+          <p:spPr>
+            <a:xfrm>
+              <a:off x="8557806" y="3621352"/>
+              <a:ext cx="2574524" cy="338554"/>
+            </a:xfrm>
+            <a:prstGeom prst="rect">
+              <a:avLst/>
+            </a:prstGeom>
+            <a:noFill/>
+            <a:ln>
+              <a:solidFill>
+                <a:srgbClr val="002060"/>
+              </a:solidFill>
+            </a:ln>
+          </p:spPr>
+          <p:txBody>
+            <a:bodyPr wrap="square" rtlCol="0">
+              <a:spAutoFit/>
+            </a:bodyPr>
+            <a:lstStyle/>
+            <a:p>
+              <a:pPr algn="ctr"/>
+              <a:r>
+                <a:rPr lang="en-US" sz="1600" dirty="0" err="1"/>
+                <a:t>ietf</a:t>
+              </a:r>
+              <a:r>
+                <a:rPr lang="en-US" sz="1600" dirty="0"/>
+                <a:t>-</a:t>
+              </a:r>
+              <a:r>
+                <a:rPr lang="en-US" sz="1600" dirty="0" err="1"/>
+                <a:t>otn</a:t>
+              </a:r>
+              <a:r>
+                <a:rPr lang="en-US" sz="1600" dirty="0"/>
+                <a:t>-slice</a:t>
+              </a:r>
+            </a:p>
+          </p:txBody>
+        </p:sp>
+        <p:cxnSp>
+          <p:nvCxnSpPr>
+            <p:cNvPr id="9" name="Straight Arrow Connector 8">
+              <a:extLst>
+                <a:ext uri="{FF2B5EF4-FFF2-40B4-BE49-F238E27FC236}">
+                  <a16:creationId xmlns:a16="http://schemas.microsoft.com/office/drawing/2014/main" id="{619F5A23-FEEB-48D7-5AC5-3DE656CC37D4}"/>
+                </a:ext>
+              </a:extLst>
+            </p:cNvPr>
+            <p:cNvCxnSpPr>
+              <a:stCxn id="5" idx="0"/>
+              <a:endCxn id="6" idx="2"/>
+            </p:cNvCxnSpPr>
+            <p:nvPr/>
+          </p:nvCxnSpPr>
+          <p:spPr>
+            <a:xfrm flipV="1">
+              <a:off x="9845068" y="4809912"/>
+              <a:ext cx="0" cy="511453"/>
+            </a:xfrm>
+            <a:prstGeom prst="straightConnector1">
+              <a:avLst/>
+            </a:prstGeom>
+            <a:ln>
+              <a:tailEnd type="triangle"/>
+            </a:ln>
+          </p:spPr>
+          <p:style>
+            <a:lnRef idx="3">
+              <a:schemeClr val="dk1"/>
+            </a:lnRef>
+            <a:fillRef idx="0">
+              <a:schemeClr val="dk1"/>
+            </a:fillRef>
+            <a:effectRef idx="2">
+              <a:schemeClr val="dk1"/>
+            </a:effectRef>
+            <a:fontRef idx="minor">
+              <a:schemeClr val="tx1"/>
+            </a:fontRef>
+          </p:style>
+        </p:cxnSp>
+        <p:sp>
+          <p:nvSpPr>
+            <p:cNvPr id="10" name="TextBox 9">
+              <a:extLst>
+                <a:ext uri="{FF2B5EF4-FFF2-40B4-BE49-F238E27FC236}">
+                  <a16:creationId xmlns:a16="http://schemas.microsoft.com/office/drawing/2014/main" id="{A9A7F84E-90C2-DBC8-1ABC-8921FBAA31FB}"/>
+                </a:ext>
+              </a:extLst>
+            </p:cNvPr>
+            <p:cNvSpPr txBox="1"/>
+            <p:nvPr/>
+          </p:nvSpPr>
+          <p:spPr>
+            <a:xfrm>
+              <a:off x="9845068" y="4902860"/>
+              <a:ext cx="802014" cy="276999"/>
+            </a:xfrm>
+            <a:prstGeom prst="rect">
+              <a:avLst/>
+            </a:prstGeom>
+            <a:noFill/>
+          </p:spPr>
+          <p:txBody>
+            <a:bodyPr wrap="none" rtlCol="0">
+              <a:spAutoFit/>
+            </a:bodyPr>
+            <a:lstStyle/>
+            <a:p>
+              <a:r>
+                <a:rPr lang="en-US" sz="1200" dirty="0"/>
+                <a:t>augments</a:t>
+              </a:r>
+            </a:p>
+          </p:txBody>
+        </p:sp>
+        <p:cxnSp>
+          <p:nvCxnSpPr>
+            <p:cNvPr id="11" name="Straight Arrow Connector 10">
+              <a:extLst>
+                <a:ext uri="{FF2B5EF4-FFF2-40B4-BE49-F238E27FC236}">
+                  <a16:creationId xmlns:a16="http://schemas.microsoft.com/office/drawing/2014/main" id="{4C9B4D65-C4A8-EBBC-5878-36A607F755BD}"/>
+                </a:ext>
+              </a:extLst>
+            </p:cNvPr>
+            <p:cNvCxnSpPr/>
+            <p:nvPr/>
+          </p:nvCxnSpPr>
+          <p:spPr>
+            <a:xfrm flipV="1">
+              <a:off x="9845068" y="3959905"/>
+              <a:ext cx="0" cy="511453"/>
+            </a:xfrm>
+            <a:prstGeom prst="straightConnector1">
+              <a:avLst/>
+            </a:prstGeom>
+            <a:ln>
+              <a:tailEnd type="triangle"/>
+            </a:ln>
+          </p:spPr>
+          <p:style>
+            <a:lnRef idx="3">
+              <a:schemeClr val="dk1"/>
+            </a:lnRef>
+            <a:fillRef idx="0">
+              <a:schemeClr val="dk1"/>
+            </a:fillRef>
+            <a:effectRef idx="2">
+              <a:schemeClr val="dk1"/>
+            </a:effectRef>
+            <a:fontRef idx="minor">
+              <a:schemeClr val="tx1"/>
+            </a:fontRef>
+          </p:style>
+        </p:cxnSp>
+        <p:sp>
+          <p:nvSpPr>
+            <p:cNvPr id="12" name="TextBox 11">
+              <a:extLst>
+                <a:ext uri="{FF2B5EF4-FFF2-40B4-BE49-F238E27FC236}">
+                  <a16:creationId xmlns:a16="http://schemas.microsoft.com/office/drawing/2014/main" id="{C7F40AA3-851F-B34D-8DAB-E3A002DA057F}"/>
+                </a:ext>
+              </a:extLst>
+            </p:cNvPr>
+            <p:cNvSpPr txBox="1"/>
+            <p:nvPr/>
+          </p:nvSpPr>
+          <p:spPr>
+            <a:xfrm>
+              <a:off x="9845068" y="4052853"/>
+              <a:ext cx="802014" cy="276999"/>
+            </a:xfrm>
+            <a:prstGeom prst="rect">
+              <a:avLst/>
+            </a:prstGeom>
+            <a:noFill/>
+          </p:spPr>
+          <p:txBody>
+            <a:bodyPr wrap="none" rtlCol="0">
+              <a:spAutoFit/>
+            </a:bodyPr>
+            <a:lstStyle/>
+            <a:p>
+              <a:r>
+                <a:rPr lang="en-US" sz="1200" dirty="0"/>
+                <a:t>augments</a:t>
+              </a:r>
+            </a:p>
+          </p:txBody>
+        </p:sp>
+        <p:sp>
+          <p:nvSpPr>
+            <p:cNvPr id="16" name="TextBox 15">
+              <a:extLst>
+                <a:ext uri="{FF2B5EF4-FFF2-40B4-BE49-F238E27FC236}">
+                  <a16:creationId xmlns:a16="http://schemas.microsoft.com/office/drawing/2014/main" id="{89B8D0EF-30FC-4BD3-223E-4CB8AD7FD2E6}"/>
+                </a:ext>
+              </a:extLst>
+            </p:cNvPr>
+            <p:cNvSpPr txBox="1"/>
+            <p:nvPr/>
+          </p:nvSpPr>
+          <p:spPr>
+            <a:xfrm>
+              <a:off x="11353799" y="4077131"/>
+              <a:ext cx="772134" cy="276999"/>
+            </a:xfrm>
+            <a:prstGeom prst="rect">
+              <a:avLst/>
+            </a:prstGeom>
+            <a:noFill/>
+            <a:ln>
+              <a:noFill/>
+            </a:ln>
+          </p:spPr>
+          <p:txBody>
+            <a:bodyPr wrap="none" rtlCol="0">
+              <a:spAutoFit/>
+            </a:bodyPr>
+            <a:lstStyle/>
+            <a:p>
+              <a:r>
+                <a:rPr lang="en-US" sz="1200" dirty="0"/>
+                <a:t>This draft</a:t>
+              </a:r>
+            </a:p>
+          </p:txBody>
+        </p:sp>
+        <p:cxnSp>
+          <p:nvCxnSpPr>
+            <p:cNvPr id="18" name="Straight Arrow Connector 17">
+              <a:extLst>
+                <a:ext uri="{FF2B5EF4-FFF2-40B4-BE49-F238E27FC236}">
+                  <a16:creationId xmlns:a16="http://schemas.microsoft.com/office/drawing/2014/main" id="{0F5AC4F6-555E-1583-4325-529736453A60}"/>
+                </a:ext>
+              </a:extLst>
+            </p:cNvPr>
+            <p:cNvCxnSpPr>
+              <a:stCxn id="16" idx="0"/>
+            </p:cNvCxnSpPr>
+            <p:nvPr/>
+          </p:nvCxnSpPr>
+          <p:spPr>
+            <a:xfrm flipH="1" flipV="1">
+              <a:off x="11230252" y="3852909"/>
+              <a:ext cx="509614" cy="224222"/>
+            </a:xfrm>
+            <a:prstGeom prst="straightConnector1">
+              <a:avLst/>
+            </a:prstGeom>
+            <a:ln>
+              <a:tailEnd type="triangle"/>
+            </a:ln>
+          </p:spPr>
+          <p:style>
+            <a:lnRef idx="1">
+              <a:schemeClr val="accent1"/>
+            </a:lnRef>
+            <a:fillRef idx="0">
+              <a:schemeClr val="accent1"/>
+            </a:fillRef>
+            <a:effectRef idx="0">
+              <a:schemeClr val="accent1"/>
+            </a:effectRef>
+            <a:fontRef idx="minor">
+              <a:schemeClr val="tx1"/>
+            </a:fontRef>
+          </p:style>
+        </p:cxnSp>
+        <p:cxnSp>
+          <p:nvCxnSpPr>
+            <p:cNvPr id="19" name="Straight Arrow Connector 18">
+              <a:extLst>
+                <a:ext uri="{FF2B5EF4-FFF2-40B4-BE49-F238E27FC236}">
+                  <a16:creationId xmlns:a16="http://schemas.microsoft.com/office/drawing/2014/main" id="{13AEB0BF-B70F-9ECB-91F6-0A64AC7D8B5A}"/>
+                </a:ext>
+              </a:extLst>
+            </p:cNvPr>
+            <p:cNvCxnSpPr>
+              <a:cxnSpLocks/>
+              <a:stCxn id="16" idx="2"/>
+            </p:cNvCxnSpPr>
+            <p:nvPr/>
+          </p:nvCxnSpPr>
+          <p:spPr>
+            <a:xfrm flipH="1">
+              <a:off x="11315307" y="4354130"/>
+              <a:ext cx="424559" cy="286505"/>
+            </a:xfrm>
+            <a:prstGeom prst="straightConnector1">
+              <a:avLst/>
+            </a:prstGeom>
+            <a:ln>
+              <a:tailEnd type="triangle"/>
+            </a:ln>
+          </p:spPr>
+          <p:style>
+            <a:lnRef idx="1">
+              <a:schemeClr val="accent1"/>
+            </a:lnRef>
+            <a:fillRef idx="0">
+              <a:schemeClr val="accent1"/>
+            </a:fillRef>
+            <a:effectRef idx="0">
+              <a:schemeClr val="accent1"/>
+            </a:effectRef>
+            <a:fontRef idx="minor">
+              <a:schemeClr val="tx1"/>
+            </a:fontRef>
+          </p:style>
+        </p:cxnSp>
+        <p:sp>
+          <p:nvSpPr>
+            <p:cNvPr id="22" name="TextBox 21">
+              <a:extLst>
+                <a:ext uri="{FF2B5EF4-FFF2-40B4-BE49-F238E27FC236}">
+                  <a16:creationId xmlns:a16="http://schemas.microsoft.com/office/drawing/2014/main" id="{AF923379-E65E-0EC6-C9A3-D1C2BEF82B36}"/>
+                </a:ext>
+              </a:extLst>
+            </p:cNvPr>
+            <p:cNvSpPr txBox="1"/>
+            <p:nvPr/>
+          </p:nvSpPr>
+          <p:spPr>
+            <a:xfrm>
+              <a:off x="11442531" y="5075143"/>
+              <a:ext cx="838201" cy="830997"/>
+            </a:xfrm>
+            <a:prstGeom prst="rect">
+              <a:avLst/>
+            </a:prstGeom>
+            <a:noFill/>
+            <a:ln>
+              <a:noFill/>
+            </a:ln>
+          </p:spPr>
+          <p:txBody>
+            <a:bodyPr wrap="square" rtlCol="0">
+              <a:spAutoFit/>
+            </a:bodyPr>
+            <a:lstStyle/>
+            <a:p>
+              <a:r>
+                <a:rPr lang="en-US" sz="1200" dirty="0"/>
+                <a:t>draft-</a:t>
+              </a:r>
+              <a:r>
+                <a:rPr lang="en-US" sz="1200" dirty="0" err="1"/>
+                <a:t>ietf</a:t>
+              </a:r>
+              <a:r>
+                <a:rPr lang="en-US" sz="1200" dirty="0"/>
+                <a:t>-teas-network-slice-</a:t>
+              </a:r>
+              <a:r>
+                <a:rPr lang="en-US" sz="1200" dirty="0" err="1"/>
+                <a:t>nbi</a:t>
+              </a:r>
+              <a:endParaRPr lang="en-US" sz="1200" dirty="0"/>
+            </a:p>
+          </p:txBody>
+        </p:sp>
+        <p:cxnSp>
+          <p:nvCxnSpPr>
+            <p:cNvPr id="23" name="Straight Arrow Connector 22">
+              <a:extLst>
+                <a:ext uri="{FF2B5EF4-FFF2-40B4-BE49-F238E27FC236}">
+                  <a16:creationId xmlns:a16="http://schemas.microsoft.com/office/drawing/2014/main" id="{AE84816A-9C56-E1DE-E5E5-15F0BFE8367D}"/>
+                </a:ext>
+              </a:extLst>
+            </p:cNvPr>
+            <p:cNvCxnSpPr>
+              <a:cxnSpLocks/>
+              <a:endCxn id="5" idx="3"/>
+            </p:cNvCxnSpPr>
+            <p:nvPr/>
+          </p:nvCxnSpPr>
+          <p:spPr>
+            <a:xfrm flipH="1">
+              <a:off x="11132330" y="5490642"/>
+              <a:ext cx="310201" cy="0"/>
+            </a:xfrm>
+            <a:prstGeom prst="straightConnector1">
+              <a:avLst/>
+            </a:prstGeom>
+            <a:ln>
+              <a:tailEnd type="triangle"/>
+            </a:ln>
+          </p:spPr>
+          <p:style>
+            <a:lnRef idx="1">
+              <a:schemeClr val="accent1"/>
+            </a:lnRef>
+            <a:fillRef idx="0">
+              <a:schemeClr val="accent1"/>
+            </a:fillRef>
+            <a:effectRef idx="0">
+              <a:schemeClr val="accent1"/>
+            </a:effectRef>
+            <a:fontRef idx="minor">
+              <a:schemeClr val="tx1"/>
+            </a:fontRef>
+          </p:style>
+        </p:cxnSp>
+        <p:sp>
+          <p:nvSpPr>
+            <p:cNvPr id="4" name="TextBox 3">
+              <a:extLst>
+                <a:ext uri="{FF2B5EF4-FFF2-40B4-BE49-F238E27FC236}">
+                  <a16:creationId xmlns:a16="http://schemas.microsoft.com/office/drawing/2014/main" id="{2DBA3903-31ED-41E0-9D49-B0A03F600980}"/>
+                </a:ext>
+              </a:extLst>
+            </p:cNvPr>
+            <p:cNvSpPr txBox="1"/>
+            <p:nvPr/>
+          </p:nvSpPr>
+          <p:spPr>
+            <a:xfrm>
+              <a:off x="9481378" y="5906140"/>
+              <a:ext cx="1165704" cy="369332"/>
+            </a:xfrm>
+            <a:prstGeom prst="rect">
+              <a:avLst/>
+            </a:prstGeom>
+            <a:noFill/>
+          </p:spPr>
+          <p:txBody>
+            <a:bodyPr wrap="none" rtlCol="0">
+              <a:spAutoFit/>
+            </a:bodyPr>
+            <a:lstStyle/>
+            <a:p>
+              <a:r>
+                <a:rPr lang="en-US" dirty="0">
+                  <a:solidFill>
+                    <a:srgbClr val="FF0000"/>
+                  </a:solidFill>
+                </a:rPr>
+                <a:t>NBI model</a:t>
+              </a:r>
+            </a:p>
+          </p:txBody>
+        </p:sp>
+      </p:grpSp>
     </p:spTree>
     <p:extLst>
       <p:ext uri="{BB962C8B-B14F-4D97-AF65-F5344CB8AC3E}">
@@ -5772,7 +5836,7 @@
           <a:p>
             <a:r>
               <a:rPr lang="en-US" dirty="0"/>
-              <a:t>NRP can be used to address scalability issues mostly occurred in packet networks and reduce complexity in the realization of slices</a:t>
+              <a:t>NRP can be used to address scalability issues mostly occurred in packet networks and to reduce complexity in the realization of slices</a:t>
             </a:r>
           </a:p>
           <a:p>
@@ -5904,7 +5968,7 @@
         </p:spPr>
         <p:txBody>
           <a:bodyPr>
-            <a:normAutofit fontScale="77500" lnSpcReduction="20000"/>
+            <a:normAutofit fontScale="70000" lnSpcReduction="20000"/>
           </a:bodyPr>
           <a:lstStyle/>
           <a:p>
@@ -5929,6 +5993,13 @@
             <a:pPr lvl="1"/>
             <a:r>
               <a:rPr lang="en-US" dirty="0"/>
+              <a:t>An underlay topology is an abstracted topology exposed by the underlying MDSC/PNC and may not be a “native” OTN topology</a:t>
+            </a:r>
+          </a:p>
+          <a:p>
+            <a:pPr lvl="1"/>
+            <a:r>
+              <a:rPr lang="en-US" dirty="0"/>
               <a:t>Resources need to be colored in the underlay topology</a:t>
             </a:r>
           </a:p>
@@ -5967,15 +6038,7 @@
             <a:pPr lvl="1"/>
             <a:r>
               <a:rPr lang="en-US" dirty="0"/>
-              <a:t>NRP topologies are </a:t>
-            </a:r>
-            <a:r>
-              <a:rPr lang="en-US"/>
-              <a:t>configured on subtended </a:t>
-            </a:r>
-            <a:r>
-              <a:rPr lang="en-US" dirty="0"/>
-              <a:t>MDSC/PNC through the MPI</a:t>
+              <a:t>NRP topologies are configured on subtended MDSC/PNC through the MPI</a:t>
             </a:r>
           </a:p>
           <a:p>
@@ -6292,7 +6355,14 @@
             <a:pPr lvl="1"/>
             <a:r>
               <a:rPr lang="en-US" dirty="0"/>
-              <a:t>Is it the best way for using opaque definition of (key, value) pairs to define technology-specific attributes?</a:t>
+              <a:t>Is it the best way using opaque definition of (key, value) pairs to define technology-specific attributes?</a:t>
+            </a:r>
+          </a:p>
+          <a:p>
+            <a:pPr lvl="2"/>
+            <a:r>
+              <a:rPr lang="en-US" dirty="0"/>
+              <a:t>Implementation agreements are required in addition to the YANG model to avoid interoperability problem</a:t>
             </a:r>
           </a:p>
           <a:p>
@@ -6311,19 +6381,12 @@
           </a:p>
           <a:p>
             <a:pPr lvl="2"/>
+            <a:endParaRPr lang="en-US" dirty="0"/>
+          </a:p>
+          <a:p>
             <a:r>
               <a:rPr lang="en-US" dirty="0"/>
-              <a:t>Implementation agreements are required in addition to the YANG model</a:t>
-            </a:r>
-          </a:p>
-          <a:p>
-            <a:pPr lvl="2"/>
-            <a:endParaRPr lang="en-US" dirty="0"/>
-          </a:p>
-          <a:p>
-            <a:r>
-              <a:rPr lang="en-US" dirty="0"/>
-              <a:t>For OTN Slicing we intend to define explicit, technology-specific attributes and not use the opaque definition</a:t>
+              <a:t>For OTN Slicing our preference is to define explicit, technology-specific attributes and not use the opaque definition</a:t>
             </a:r>
           </a:p>
         </p:txBody>
@@ -6607,7 +6670,11 @@
             </a:r>
           </a:p>
           <a:p>
-            <a:endParaRPr lang="en-US" dirty="0"/>
+            <a:endParaRPr lang="en-US" dirty="0">
+              <a:highlight>
+                <a:srgbClr val="FFFF00"/>
+              </a:highlight>
+            </a:endParaRPr>
           </a:p>
           <a:p>
             <a:pPr marL="0" indent="0">
@@ -7346,6 +7413,16 @@
 </file>
 
 <file path=customXml/item1.xml><?xml version="1.0" encoding="utf-8"?>
+<?mso-contentType ?>
+<spe:Receivers xmlns:spe="http://schemas.microsoft.com/sharepoint/events"/>
+</file>
+
+<file path=customXml/item2.xml><?xml version="1.0" encoding="utf-8"?>
+<?mso-contentType ?>
+<SharedContentType xmlns="Microsoft.SharePoint.Taxonomy.ContentTypeSync" SourceId="34c87397-5fc1-491e-85e7-d6110dbe9cbd" ContentTypeId="0x0101" PreviousValue="false"/>
+</file>
+
+<file path=customXml/item3.xml><?xml version="1.0" encoding="utf-8"?>
 <ct:contentTypeSchema xmlns:ct="http://schemas.microsoft.com/office/2006/metadata/contentType" xmlns:ma="http://schemas.microsoft.com/office/2006/metadata/properties/metaAttributes" ct:_="" ma:_="" ma:contentTypeName="Document" ma:contentTypeID="0x01010083185B6FD968AC4F8244C98DADFCDDF2" ma:contentTypeVersion="10" ma:contentTypeDescription="Create a new document." ma:contentTypeScope="" ma:versionID="a0a5748a9dac91f93248b2b077c41dd7">
   <xsd:schema xmlns:xsd="http://www.w3.org/2001/XMLSchema" xmlns:xs="http://www.w3.org/2001/XMLSchema" xmlns:p="http://schemas.microsoft.com/office/2006/metadata/properties" xmlns:ns3="71c5aaf6-e6ce-465b-b873-5148d2a4c105" xmlns:ns4="687e87d0-d0a8-4c48-8f94-14f0c67212c5" xmlns:ns5="b4d06219-a142-4c5f-be55-53f74cb980c7" targetNamespace="http://schemas.microsoft.com/office/2006/metadata/properties" ma:root="true" ma:fieldsID="b06f86fc5fa60c034a6b2d88bb81de5b" ns3:_="" ns4:_="" ns5:_="">
     <xsd:import namespace="71c5aaf6-e6ce-465b-b873-5148d2a4c105"/>
@@ -7584,7 +7661,7 @@
 </ct:contentTypeSchema>
 </file>
 
-<file path=customXml/item2.xml><?xml version="1.0" encoding="utf-8"?>
+<file path=customXml/item4.xml><?xml version="1.0" encoding="utf-8"?>
 <p:properties xmlns:p="http://schemas.microsoft.com/office/2006/metadata/properties" xmlns:xsi="http://www.w3.org/2001/XMLSchema-instance" xmlns:pc="http://schemas.microsoft.com/office/infopath/2007/PartnerControls">
   <documentManagement>
     <HideFromDelve xmlns="71c5aaf6-e6ce-465b-b873-5148d2a4c105">false</HideFromDelve>
@@ -7592,7 +7669,7 @@
 </p:properties>
 </file>
 
-<file path=customXml/item3.xml><?xml version="1.0" encoding="utf-8"?>
+<file path=customXml/item5.xml><?xml version="1.0" encoding="utf-8"?>
 <?mso-contentType ?>
 <FormTemplates xmlns="http://schemas.microsoft.com/sharepoint/v3/contenttype/forms">
   <Display>DocumentLibraryForm</Display>
@@ -7601,17 +7678,23 @@
 </FormTemplates>
 </file>
 
-<file path=customXml/item4.xml><?xml version="1.0" encoding="utf-8"?>
-<?mso-contentType ?>
-<spe:Receivers xmlns:spe="http://schemas.microsoft.com/sharepoint/events"/>
+<file path=customXml/itemProps1.xml><?xml version="1.0" encoding="utf-8"?>
+<ds:datastoreItem xmlns:ds="http://schemas.openxmlformats.org/officeDocument/2006/customXml" ds:itemID="{917A1171-45E3-4E0C-B712-8306AE0B7411}">
+  <ds:schemaRefs>
+    <ds:schemaRef ds:uri="http://schemas.microsoft.com/sharepoint/events"/>
+  </ds:schemaRefs>
+</ds:datastoreItem>
 </file>
 
-<file path=customXml/item5.xml><?xml version="1.0" encoding="utf-8"?>
-<?mso-contentType ?>
-<SharedContentType xmlns="Microsoft.SharePoint.Taxonomy.ContentTypeSync" SourceId="34c87397-5fc1-491e-85e7-d6110dbe9cbd" ContentTypeId="0x0101" PreviousValue="false"/>
+<file path=customXml/itemProps2.xml><?xml version="1.0" encoding="utf-8"?>
+<ds:datastoreItem xmlns:ds="http://schemas.openxmlformats.org/officeDocument/2006/customXml" ds:itemID="{68412ECC-D61E-4B23-B7FF-722505864B65}">
+  <ds:schemaRefs>
+    <ds:schemaRef ds:uri="Microsoft.SharePoint.Taxonomy.ContentTypeSync"/>
+  </ds:schemaRefs>
+</ds:datastoreItem>
 </file>
 
-<file path=customXml/itemProps1.xml><?xml version="1.0" encoding="utf-8"?>
+<file path=customXml/itemProps3.xml><?xml version="1.0" encoding="utf-8"?>
 <ds:datastoreItem xmlns:ds="http://schemas.openxmlformats.org/officeDocument/2006/customXml" ds:itemID="{334975F1-7A16-4F7E-84AE-F419563FD202}">
   <ds:schemaRefs>
     <ds:schemaRef ds:uri="http://schemas.microsoft.com/office/2006/metadata/contentType"/>
@@ -7631,7 +7714,7 @@
 </ds:datastoreItem>
 </file>
 
-<file path=customXml/itemProps2.xml><?xml version="1.0" encoding="utf-8"?>
+<file path=customXml/itemProps4.xml><?xml version="1.0" encoding="utf-8"?>
 <ds:datastoreItem xmlns:ds="http://schemas.openxmlformats.org/officeDocument/2006/customXml" ds:itemID="{D1402BC5-1A46-47E2-B58E-ED5697CD9276}">
   <ds:schemaRefs>
     <ds:schemaRef ds:uri="71c5aaf6-e6ce-465b-b873-5148d2a4c105"/>
@@ -7649,26 +7732,10 @@
 </ds:datastoreItem>
 </file>
 
-<file path=customXml/itemProps3.xml><?xml version="1.0" encoding="utf-8"?>
+<file path=customXml/itemProps5.xml><?xml version="1.0" encoding="utf-8"?>
 <ds:datastoreItem xmlns:ds="http://schemas.openxmlformats.org/officeDocument/2006/customXml" ds:itemID="{FFF5BEF5-BF1F-44F4-AFBC-1295B944FD55}">
   <ds:schemaRefs>
     <ds:schemaRef ds:uri="http://schemas.microsoft.com/sharepoint/v3/contenttype/forms"/>
   </ds:schemaRefs>
 </ds:datastoreItem>
-</file>
-
-<file path=customXml/itemProps4.xml><?xml version="1.0" encoding="utf-8"?>
-<ds:datastoreItem xmlns:ds="http://schemas.openxmlformats.org/officeDocument/2006/customXml" ds:itemID="{917A1171-45E3-4E0C-B712-8306AE0B7411}">
-  <ds:schemaRefs>
-    <ds:schemaRef ds:uri="http://schemas.microsoft.com/sharepoint/events"/>
-  </ds:schemaRefs>
-</ds:datastoreItem>
-</file>
-
-<file path=customXml/itemProps5.xml><?xml version="1.0" encoding="utf-8"?>
-<ds:datastoreItem xmlns:ds="http://schemas.openxmlformats.org/officeDocument/2006/customXml" ds:itemID="{68412ECC-D61E-4B23-B7FF-722505864B65}">
-  <ds:schemaRefs>
-    <ds:schemaRef ds:uri="Microsoft.SharePoint.Taxonomy.ContentTypeSync"/>
-  </ds:schemaRefs>
-</ds:datastoreItem>
 </file>
--- a/Meeting Materials/draft-ietf-ccamp-yang-otn-slicing-02.pptx
+++ b/Meeting Materials/draft-ietf-ccamp-yang-otn-slicing-02.pptx
@@ -4419,7 +4419,11 @@
               </a:spcBef>
             </a:pPr>
             <a:r>
-              <a:rPr lang="en-US" sz="1900" dirty="0"/>
+              <a:rPr lang="en-US" sz="1900" b="1" dirty="0">
+                <a:solidFill>
+                  <a:srgbClr val="0070C0"/>
+                </a:solidFill>
+              </a:rPr>
               <a:t>Aihua Guo (Futurewei)</a:t>
             </a:r>
           </a:p>
@@ -7413,16 +7417,6 @@
 </file>
 
 <file path=customXml/item1.xml><?xml version="1.0" encoding="utf-8"?>
-<?mso-contentType ?>
-<spe:Receivers xmlns:spe="http://schemas.microsoft.com/sharepoint/events"/>
-</file>
-
-<file path=customXml/item2.xml><?xml version="1.0" encoding="utf-8"?>
-<?mso-contentType ?>
-<SharedContentType xmlns="Microsoft.SharePoint.Taxonomy.ContentTypeSync" SourceId="34c87397-5fc1-491e-85e7-d6110dbe9cbd" ContentTypeId="0x0101" PreviousValue="false"/>
-</file>
-
-<file path=customXml/item3.xml><?xml version="1.0" encoding="utf-8"?>
 <ct:contentTypeSchema xmlns:ct="http://schemas.microsoft.com/office/2006/metadata/contentType" xmlns:ma="http://schemas.microsoft.com/office/2006/metadata/properties/metaAttributes" ct:_="" ma:_="" ma:contentTypeName="Document" ma:contentTypeID="0x01010083185B6FD968AC4F8244C98DADFCDDF2" ma:contentTypeVersion="10" ma:contentTypeDescription="Create a new document." ma:contentTypeScope="" ma:versionID="a0a5748a9dac91f93248b2b077c41dd7">
   <xsd:schema xmlns:xsd="http://www.w3.org/2001/XMLSchema" xmlns:xs="http://www.w3.org/2001/XMLSchema" xmlns:p="http://schemas.microsoft.com/office/2006/metadata/properties" xmlns:ns3="71c5aaf6-e6ce-465b-b873-5148d2a4c105" xmlns:ns4="687e87d0-d0a8-4c48-8f94-14f0c67212c5" xmlns:ns5="b4d06219-a142-4c5f-be55-53f74cb980c7" targetNamespace="http://schemas.microsoft.com/office/2006/metadata/properties" ma:root="true" ma:fieldsID="b06f86fc5fa60c034a6b2d88bb81de5b" ns3:_="" ns4:_="" ns5:_="">
     <xsd:import namespace="71c5aaf6-e6ce-465b-b873-5148d2a4c105"/>
@@ -7661,15 +7655,17 @@
 </ct:contentTypeSchema>
 </file>
 
-<file path=customXml/item4.xml><?xml version="1.0" encoding="utf-8"?>
-<p:properties xmlns:p="http://schemas.microsoft.com/office/2006/metadata/properties" xmlns:xsi="http://www.w3.org/2001/XMLSchema-instance" xmlns:pc="http://schemas.microsoft.com/office/infopath/2007/PartnerControls">
-  <documentManagement>
-    <HideFromDelve xmlns="71c5aaf6-e6ce-465b-b873-5148d2a4c105">false</HideFromDelve>
-  </documentManagement>
-</p:properties>
+<file path=customXml/item2.xml><?xml version="1.0" encoding="utf-8"?>
+<?mso-contentType ?>
+<SharedContentType xmlns="Microsoft.SharePoint.Taxonomy.ContentTypeSync" SourceId="34c87397-5fc1-491e-85e7-d6110dbe9cbd" ContentTypeId="0x0101" PreviousValue="false"/>
 </file>
 
-<file path=customXml/item5.xml><?xml version="1.0" encoding="utf-8"?>
+<file path=customXml/item3.xml><?xml version="1.0" encoding="utf-8"?>
+<?mso-contentType ?>
+<spe:Receivers xmlns:spe="http://schemas.microsoft.com/sharepoint/events"/>
+</file>
+
+<file path=customXml/item4.xml><?xml version="1.0" encoding="utf-8"?>
 <?mso-contentType ?>
 <FormTemplates xmlns="http://schemas.microsoft.com/sharepoint/v3/contenttype/forms">
   <Display>DocumentLibraryForm</Display>
@@ -7678,23 +7674,15 @@
 </FormTemplates>
 </file>
 
-<file path=customXml/itemProps1.xml><?xml version="1.0" encoding="utf-8"?>
-<ds:datastoreItem xmlns:ds="http://schemas.openxmlformats.org/officeDocument/2006/customXml" ds:itemID="{917A1171-45E3-4E0C-B712-8306AE0B7411}">
-  <ds:schemaRefs>
-    <ds:schemaRef ds:uri="http://schemas.microsoft.com/sharepoint/events"/>
-  </ds:schemaRefs>
-</ds:datastoreItem>
+<file path=customXml/item5.xml><?xml version="1.0" encoding="utf-8"?>
+<p:properties xmlns:p="http://schemas.microsoft.com/office/2006/metadata/properties" xmlns:xsi="http://www.w3.org/2001/XMLSchema-instance" xmlns:pc="http://schemas.microsoft.com/office/infopath/2007/PartnerControls">
+  <documentManagement>
+    <HideFromDelve xmlns="71c5aaf6-e6ce-465b-b873-5148d2a4c105">false</HideFromDelve>
+  </documentManagement>
+</p:properties>
 </file>
 
-<file path=customXml/itemProps2.xml><?xml version="1.0" encoding="utf-8"?>
-<ds:datastoreItem xmlns:ds="http://schemas.openxmlformats.org/officeDocument/2006/customXml" ds:itemID="{68412ECC-D61E-4B23-B7FF-722505864B65}">
-  <ds:schemaRefs>
-    <ds:schemaRef ds:uri="Microsoft.SharePoint.Taxonomy.ContentTypeSync"/>
-  </ds:schemaRefs>
-</ds:datastoreItem>
-</file>
-
-<file path=customXml/itemProps3.xml><?xml version="1.0" encoding="utf-8"?>
+<file path=customXml/itemProps1.xml><?xml version="1.0" encoding="utf-8"?>
 <ds:datastoreItem xmlns:ds="http://schemas.openxmlformats.org/officeDocument/2006/customXml" ds:itemID="{334975F1-7A16-4F7E-84AE-F419563FD202}">
   <ds:schemaRefs>
     <ds:schemaRef ds:uri="http://schemas.microsoft.com/office/2006/metadata/contentType"/>
@@ -7714,7 +7702,31 @@
 </ds:datastoreItem>
 </file>
 
+<file path=customXml/itemProps2.xml><?xml version="1.0" encoding="utf-8"?>
+<ds:datastoreItem xmlns:ds="http://schemas.openxmlformats.org/officeDocument/2006/customXml" ds:itemID="{68412ECC-D61E-4B23-B7FF-722505864B65}">
+  <ds:schemaRefs>
+    <ds:schemaRef ds:uri="Microsoft.SharePoint.Taxonomy.ContentTypeSync"/>
+  </ds:schemaRefs>
+</ds:datastoreItem>
+</file>
+
+<file path=customXml/itemProps3.xml><?xml version="1.0" encoding="utf-8"?>
+<ds:datastoreItem xmlns:ds="http://schemas.openxmlformats.org/officeDocument/2006/customXml" ds:itemID="{917A1171-45E3-4E0C-B712-8306AE0B7411}">
+  <ds:schemaRefs>
+    <ds:schemaRef ds:uri="http://schemas.microsoft.com/sharepoint/events"/>
+  </ds:schemaRefs>
+</ds:datastoreItem>
+</file>
+
 <file path=customXml/itemProps4.xml><?xml version="1.0" encoding="utf-8"?>
+<ds:datastoreItem xmlns:ds="http://schemas.openxmlformats.org/officeDocument/2006/customXml" ds:itemID="{FFF5BEF5-BF1F-44F4-AFBC-1295B944FD55}">
+  <ds:schemaRefs>
+    <ds:schemaRef ds:uri="http://schemas.microsoft.com/sharepoint/v3/contenttype/forms"/>
+  </ds:schemaRefs>
+</ds:datastoreItem>
+</file>
+
+<file path=customXml/itemProps5.xml><?xml version="1.0" encoding="utf-8"?>
 <ds:datastoreItem xmlns:ds="http://schemas.openxmlformats.org/officeDocument/2006/customXml" ds:itemID="{D1402BC5-1A46-47E2-B58E-ED5697CD9276}">
   <ds:schemaRefs>
     <ds:schemaRef ds:uri="71c5aaf6-e6ce-465b-b873-5148d2a4c105"/>
@@ -7730,12 +7742,4 @@
     <ds:schemaRef ds:uri="http://www.w3.org/XML/1998/namespace"/>
   </ds:schemaRefs>
 </ds:datastoreItem>
-</file>
-
-<file path=customXml/itemProps5.xml><?xml version="1.0" encoding="utf-8"?>
-<ds:datastoreItem xmlns:ds="http://schemas.openxmlformats.org/officeDocument/2006/customXml" ds:itemID="{FFF5BEF5-BF1F-44F4-AFBC-1295B944FD55}">
-  <ds:schemaRefs>
-    <ds:schemaRef ds:uri="http://schemas.microsoft.com/sharepoint/v3/contenttype/forms"/>
-  </ds:schemaRefs>
-</ds:datastoreItem>
 </file>